--- a/_book/plot/unnamed-chunk-100-1.pptx
+++ b/_book/plot/unnamed-chunk-100-1.pptx
@@ -3192,8 +3192,8 @@
           </p:nvSpPr>
           <p:spPr>
             <a:xfrm>
-              <a:off x="2023549" y="1590617"/>
-              <a:ext cx="6913543" cy="4048310"/>
+              <a:off x="2217943" y="1809173"/>
+              <a:ext cx="2193323" cy="3464924"/>
             </a:xfrm>
             <a:prstGeom prst="rect">
               <a:avLst/>
@@ -3218,28 +3218,28 @@
           </p:nvSpPr>
           <p:spPr>
             <a:xfrm>
-              <a:off x="3289042" y="1590617"/>
-              <a:ext cx="0" cy="4048310"/>
+              <a:off x="2217943" y="4589616"/>
+              <a:ext cx="2193323" cy="0"/>
             </a:xfrm>
             <a:custGeom>
               <a:avLst/>
               <a:pathLst>
-                <a:path w="0" h="4048310">
+                <a:path w="2193323" h="0">
                   <a:moveTo>
-                    <a:pt x="0" y="4048310"/>
+                    <a:pt x="0" y="0"/>
                   </a:moveTo>
                   <a:lnTo>
-                    <a:pt x="0" y="0"/>
-                  </a:lnTo>
-                  <a:lnTo>
-                    <a:pt x="0" y="0"/>
+                    <a:pt x="2193323" y="0"/>
+                  </a:lnTo>
+                  <a:lnTo>
+                    <a:pt x="2193323" y="0"/>
                   </a:lnTo>
                 </a:path>
               </a:pathLst>
             </a:custGeom>
-            <a:ln w="3387" cap="flat">
+            <a:ln w="6775" cap="flat">
               <a:solidFill>
-                <a:srgbClr val="DEDEDE">
+                <a:srgbClr val="EBEBEB">
                   <a:alpha val="100000"/>
                 </a:srgbClr>
               </a:solidFill>
@@ -3261,28 +3261,28 @@
           </p:nvSpPr>
           <p:spPr>
             <a:xfrm>
-              <a:off x="5820029" y="1590617"/>
-              <a:ext cx="0" cy="4048310"/>
+              <a:off x="2217943" y="3535646"/>
+              <a:ext cx="2193323" cy="0"/>
             </a:xfrm>
             <a:custGeom>
               <a:avLst/>
               <a:pathLst>
-                <a:path w="0" h="4048310">
+                <a:path w="2193323" h="0">
                   <a:moveTo>
-                    <a:pt x="0" y="4048310"/>
+                    <a:pt x="0" y="0"/>
                   </a:moveTo>
                   <a:lnTo>
-                    <a:pt x="0" y="0"/>
-                  </a:lnTo>
-                  <a:lnTo>
-                    <a:pt x="0" y="0"/>
+                    <a:pt x="2193323" y="0"/>
+                  </a:lnTo>
+                  <a:lnTo>
+                    <a:pt x="2193323" y="0"/>
                   </a:lnTo>
                 </a:path>
               </a:pathLst>
             </a:custGeom>
-            <a:ln w="3387" cap="flat">
+            <a:ln w="6775" cap="flat">
               <a:solidFill>
-                <a:srgbClr val="DEDEDE">
+                <a:srgbClr val="EBEBEB">
                   <a:alpha val="100000"/>
                 </a:srgbClr>
               </a:solidFill>
@@ -3304,28 +3304,28 @@
           </p:nvSpPr>
           <p:spPr>
             <a:xfrm>
-              <a:off x="8351017" y="1590617"/>
-              <a:ext cx="0" cy="4048310"/>
+              <a:off x="2217943" y="2481677"/>
+              <a:ext cx="2193323" cy="0"/>
             </a:xfrm>
             <a:custGeom>
               <a:avLst/>
               <a:pathLst>
-                <a:path w="0" h="4048310">
+                <a:path w="2193323" h="0">
                   <a:moveTo>
-                    <a:pt x="0" y="4048310"/>
+                    <a:pt x="0" y="0"/>
                   </a:moveTo>
                   <a:lnTo>
-                    <a:pt x="0" y="0"/>
-                  </a:lnTo>
-                  <a:lnTo>
-                    <a:pt x="0" y="0"/>
+                    <a:pt x="2193323" y="0"/>
+                  </a:lnTo>
+                  <a:lnTo>
+                    <a:pt x="2193323" y="0"/>
                   </a:lnTo>
                 </a:path>
               </a:pathLst>
             </a:custGeom>
-            <a:ln w="3387" cap="flat">
+            <a:ln w="6775" cap="flat">
               <a:solidFill>
-                <a:srgbClr val="DEDEDE">
+                <a:srgbClr val="EBEBEB">
                   <a:alpha val="100000"/>
                 </a:srgbClr>
               </a:solidFill>
@@ -3347,28 +3347,28 @@
           </p:nvSpPr>
           <p:spPr>
             <a:xfrm>
-              <a:off x="2023549" y="5301568"/>
-              <a:ext cx="6913543" cy="0"/>
+              <a:off x="2217943" y="5116600"/>
+              <a:ext cx="2193323" cy="0"/>
             </a:xfrm>
             <a:custGeom>
               <a:avLst/>
               <a:pathLst>
-                <a:path w="6913543" h="0">
+                <a:path w="2193323" h="0">
                   <a:moveTo>
                     <a:pt x="0" y="0"/>
                   </a:moveTo>
                   <a:lnTo>
-                    <a:pt x="6913543" y="0"/>
-                  </a:lnTo>
-                  <a:lnTo>
-                    <a:pt x="6913543" y="0"/>
+                    <a:pt x="2193323" y="0"/>
+                  </a:lnTo>
+                  <a:lnTo>
+                    <a:pt x="2193323" y="0"/>
                   </a:lnTo>
                 </a:path>
               </a:pathLst>
             </a:custGeom>
-            <a:ln w="6775" cap="flat">
+            <a:ln w="13550" cap="flat">
               <a:solidFill>
-                <a:srgbClr val="DEDEDE">
+                <a:srgbClr val="EBEBEB">
                   <a:alpha val="100000"/>
                 </a:srgbClr>
               </a:solidFill>
@@ -3390,28 +3390,28 @@
           </p:nvSpPr>
           <p:spPr>
             <a:xfrm>
-              <a:off x="2023549" y="4739303"/>
-              <a:ext cx="6913543" cy="0"/>
+              <a:off x="2217943" y="4062631"/>
+              <a:ext cx="2193323" cy="0"/>
             </a:xfrm>
             <a:custGeom>
               <a:avLst/>
               <a:pathLst>
-                <a:path w="6913543" h="0">
+                <a:path w="2193323" h="0">
                   <a:moveTo>
                     <a:pt x="0" y="0"/>
                   </a:moveTo>
                   <a:lnTo>
-                    <a:pt x="6913543" y="0"/>
-                  </a:lnTo>
-                  <a:lnTo>
-                    <a:pt x="6913543" y="0"/>
+                    <a:pt x="2193323" y="0"/>
+                  </a:lnTo>
+                  <a:lnTo>
+                    <a:pt x="2193323" y="0"/>
                   </a:lnTo>
                 </a:path>
               </a:pathLst>
             </a:custGeom>
-            <a:ln w="6775" cap="flat">
+            <a:ln w="13550" cap="flat">
               <a:solidFill>
-                <a:srgbClr val="DEDEDE">
+                <a:srgbClr val="EBEBEB">
                   <a:alpha val="100000"/>
                 </a:srgbClr>
               </a:solidFill>
@@ -3433,28 +3433,28 @@
           </p:nvSpPr>
           <p:spPr>
             <a:xfrm>
-              <a:off x="2023549" y="4177037"/>
-              <a:ext cx="6913543" cy="0"/>
+              <a:off x="2217943" y="3008662"/>
+              <a:ext cx="2193323" cy="0"/>
             </a:xfrm>
             <a:custGeom>
               <a:avLst/>
               <a:pathLst>
-                <a:path w="6913543" h="0">
+                <a:path w="2193323" h="0">
                   <a:moveTo>
                     <a:pt x="0" y="0"/>
                   </a:moveTo>
                   <a:lnTo>
-                    <a:pt x="6913543" y="0"/>
-                  </a:lnTo>
-                  <a:lnTo>
-                    <a:pt x="6913543" y="0"/>
+                    <a:pt x="2193323" y="0"/>
+                  </a:lnTo>
+                  <a:lnTo>
+                    <a:pt x="2193323" y="0"/>
                   </a:lnTo>
                 </a:path>
               </a:pathLst>
             </a:custGeom>
-            <a:ln w="6775" cap="flat">
+            <a:ln w="13550" cap="flat">
               <a:solidFill>
-                <a:srgbClr val="DEDEDE">
+                <a:srgbClr val="EBEBEB">
                   <a:alpha val="100000"/>
                 </a:srgbClr>
               </a:solidFill>
@@ -3476,28 +3476,28 @@
           </p:nvSpPr>
           <p:spPr>
             <a:xfrm>
-              <a:off x="2023549" y="3614772"/>
-              <a:ext cx="6913543" cy="0"/>
+              <a:off x="2217943" y="1954692"/>
+              <a:ext cx="2193323" cy="0"/>
             </a:xfrm>
             <a:custGeom>
               <a:avLst/>
               <a:pathLst>
-                <a:path w="6913543" h="0">
+                <a:path w="2193323" h="0">
                   <a:moveTo>
                     <a:pt x="0" y="0"/>
                   </a:moveTo>
                   <a:lnTo>
-                    <a:pt x="6913543" y="0"/>
-                  </a:lnTo>
-                  <a:lnTo>
-                    <a:pt x="6913543" y="0"/>
+                    <a:pt x="2193323" y="0"/>
+                  </a:lnTo>
+                  <a:lnTo>
+                    <a:pt x="2193323" y="0"/>
                   </a:lnTo>
                 </a:path>
               </a:pathLst>
             </a:custGeom>
-            <a:ln w="6775" cap="flat">
+            <a:ln w="13550" cap="flat">
               <a:solidFill>
-                <a:srgbClr val="DEDEDE">
+                <a:srgbClr val="EBEBEB">
                   <a:alpha val="100000"/>
                 </a:srgbClr>
               </a:solidFill>
@@ -3519,28 +3519,28 @@
           </p:nvSpPr>
           <p:spPr>
             <a:xfrm>
-              <a:off x="2023549" y="3052507"/>
-              <a:ext cx="6913543" cy="0"/>
+              <a:off x="2531275" y="1809173"/>
+              <a:ext cx="0" cy="3464924"/>
             </a:xfrm>
             <a:custGeom>
               <a:avLst/>
               <a:pathLst>
-                <a:path w="6913543" h="0">
+                <a:path w="0" h="3464924">
                   <a:moveTo>
+                    <a:pt x="0" y="3464924"/>
+                  </a:moveTo>
+                  <a:lnTo>
                     <a:pt x="0" y="0"/>
-                  </a:moveTo>
-                  <a:lnTo>
-                    <a:pt x="6913543" y="0"/>
-                  </a:lnTo>
-                  <a:lnTo>
-                    <a:pt x="6913543" y="0"/>
+                  </a:lnTo>
+                  <a:lnTo>
+                    <a:pt x="0" y="0"/>
                   </a:lnTo>
                 </a:path>
               </a:pathLst>
             </a:custGeom>
-            <a:ln w="6775" cap="flat">
+            <a:ln w="13550" cap="flat">
               <a:solidFill>
-                <a:srgbClr val="DEDEDE">
+                <a:srgbClr val="EBEBEB">
                   <a:alpha val="100000"/>
                 </a:srgbClr>
               </a:solidFill>
@@ -3562,28 +3562,28 @@
           </p:nvSpPr>
           <p:spPr>
             <a:xfrm>
-              <a:off x="2023549" y="2490241"/>
-              <a:ext cx="6913543" cy="0"/>
+              <a:off x="3053495" y="1809173"/>
+              <a:ext cx="0" cy="3464924"/>
             </a:xfrm>
             <a:custGeom>
               <a:avLst/>
               <a:pathLst>
-                <a:path w="6913543" h="0">
+                <a:path w="0" h="3464924">
                   <a:moveTo>
+                    <a:pt x="0" y="3464924"/>
+                  </a:moveTo>
+                  <a:lnTo>
                     <a:pt x="0" y="0"/>
-                  </a:moveTo>
-                  <a:lnTo>
-                    <a:pt x="6913543" y="0"/>
-                  </a:lnTo>
-                  <a:lnTo>
-                    <a:pt x="6913543" y="0"/>
+                  </a:lnTo>
+                  <a:lnTo>
+                    <a:pt x="0" y="0"/>
                   </a:lnTo>
                 </a:path>
               </a:pathLst>
             </a:custGeom>
-            <a:ln w="6775" cap="flat">
+            <a:ln w="13550" cap="flat">
               <a:solidFill>
-                <a:srgbClr val="DEDEDE">
+                <a:srgbClr val="EBEBEB">
                   <a:alpha val="100000"/>
                 </a:srgbClr>
               </a:solidFill>
@@ -3605,28 +3605,28 @@
           </p:nvSpPr>
           <p:spPr>
             <a:xfrm>
-              <a:off x="2023549" y="1927976"/>
-              <a:ext cx="6913543" cy="0"/>
+              <a:off x="3575715" y="1809173"/>
+              <a:ext cx="0" cy="3464924"/>
             </a:xfrm>
             <a:custGeom>
               <a:avLst/>
               <a:pathLst>
-                <a:path w="6913543" h="0">
+                <a:path w="0" h="3464924">
                   <a:moveTo>
+                    <a:pt x="0" y="3464924"/>
+                  </a:moveTo>
+                  <a:lnTo>
                     <a:pt x="0" y="0"/>
-                  </a:moveTo>
-                  <a:lnTo>
-                    <a:pt x="6913543" y="0"/>
-                  </a:lnTo>
-                  <a:lnTo>
-                    <a:pt x="6913543" y="0"/>
+                  </a:lnTo>
+                  <a:lnTo>
+                    <a:pt x="0" y="0"/>
                   </a:lnTo>
                 </a:path>
               </a:pathLst>
             </a:custGeom>
-            <a:ln w="6775" cap="flat">
+            <a:ln w="13550" cap="flat">
               <a:solidFill>
-                <a:srgbClr val="DEDEDE">
+                <a:srgbClr val="EBEBEB">
                   <a:alpha val="100000"/>
                 </a:srgbClr>
               </a:solidFill>
@@ -3648,15 +3648,15 @@
           </p:nvSpPr>
           <p:spPr>
             <a:xfrm>
-              <a:off x="2023549" y="1590617"/>
-              <a:ext cx="0" cy="4048310"/>
+              <a:off x="4097935" y="1809173"/>
+              <a:ext cx="0" cy="3464924"/>
             </a:xfrm>
             <a:custGeom>
               <a:avLst/>
               <a:pathLst>
-                <a:path w="0" h="4048310">
+                <a:path w="0" h="3464924">
                   <a:moveTo>
-                    <a:pt x="0" y="4048310"/>
+                    <a:pt x="0" y="3464924"/>
                   </a:moveTo>
                   <a:lnTo>
                     <a:pt x="0" y="0"/>
@@ -3667,9 +3667,9 @@
                 </a:path>
               </a:pathLst>
             </a:custGeom>
-            <a:ln w="6775" cap="flat">
+            <a:ln w="13550" cap="flat">
               <a:solidFill>
-                <a:srgbClr val="DEDEDE">
+                <a:srgbClr val="EBEBEB">
                   <a:alpha val="100000"/>
                 </a:srgbClr>
               </a:solidFill>
@@ -3685,34 +3685,125 @@
         </p:sp>
         <p:sp>
           <p:nvSpPr>
-            <p:cNvPr id="17" name="pl17"/>
-            <p:cNvSpPr/>
-            <p:nvPr/>
-          </p:nvSpPr>
-          <p:spPr>
-            <a:xfrm>
-              <a:off x="4554536" y="1590617"/>
-              <a:ext cx="0" cy="4048310"/>
-            </a:xfrm>
-            <a:custGeom>
-              <a:avLst/>
-              <a:pathLst>
-                <a:path w="0" h="4048310">
-                  <a:moveTo>
-                    <a:pt x="0" y="4048310"/>
-                  </a:moveTo>
-                  <a:lnTo>
-                    <a:pt x="0" y="0"/>
-                  </a:lnTo>
-                  <a:lnTo>
-                    <a:pt x="0" y="0"/>
-                  </a:lnTo>
-                </a:path>
-              </a:pathLst>
-            </a:custGeom>
-            <a:ln w="6775" cap="flat">
+            <p:cNvPr id="17" name="rc17"/>
+            <p:cNvSpPr/>
+            <p:nvPr/>
+          </p:nvSpPr>
+          <p:spPr>
+            <a:xfrm>
+              <a:off x="3340716" y="4146469"/>
+              <a:ext cx="469997" cy="970130"/>
+            </a:xfrm>
+            <a:prstGeom prst="rect">
+              <a:avLst/>
+            </a:prstGeom>
+            <a:solidFill>
+              <a:srgbClr val="FB6A4A">
+                <a:alpha val="100000"/>
+              </a:srgbClr>
+            </a:solidFill>
+          </p:spPr>
+          <p:txBody>
+            <a:bodyPr/>
+            <a:lstStyle/>
+            <a:p/>
+          </p:txBody>
+        </p:sp>
+        <p:sp>
+          <p:nvSpPr>
+            <p:cNvPr id="18" name="rc18"/>
+            <p:cNvSpPr/>
+            <p:nvPr/>
+          </p:nvSpPr>
+          <p:spPr>
+            <a:xfrm>
+              <a:off x="2296276" y="4709385"/>
+              <a:ext cx="469997" cy="407215"/>
+            </a:xfrm>
+            <a:prstGeom prst="rect">
+              <a:avLst/>
+            </a:prstGeom>
+            <a:solidFill>
+              <a:srgbClr val="FEE5D9">
+                <a:alpha val="100000"/>
+              </a:srgbClr>
+            </a:solidFill>
+          </p:spPr>
+          <p:txBody>
+            <a:bodyPr/>
+            <a:lstStyle/>
+            <a:p/>
+          </p:txBody>
+        </p:sp>
+        <p:sp>
+          <p:nvSpPr>
+            <p:cNvPr id="19" name="rc19"/>
+            <p:cNvSpPr/>
+            <p:nvPr/>
+          </p:nvSpPr>
+          <p:spPr>
+            <a:xfrm>
+              <a:off x="3862936" y="4374031"/>
+              <a:ext cx="469997" cy="742569"/>
+            </a:xfrm>
+            <a:prstGeom prst="rect">
+              <a:avLst/>
+            </a:prstGeom>
+            <a:solidFill>
+              <a:srgbClr val="CB181D">
+                <a:alpha val="100000"/>
+              </a:srgbClr>
+            </a:solidFill>
+          </p:spPr>
+          <p:txBody>
+            <a:bodyPr/>
+            <a:lstStyle/>
+            <a:p/>
+          </p:txBody>
+        </p:sp>
+        <p:sp>
+          <p:nvSpPr>
+            <p:cNvPr id="20" name="rc20"/>
+            <p:cNvSpPr/>
+            <p:nvPr/>
+          </p:nvSpPr>
+          <p:spPr>
+            <a:xfrm>
+              <a:off x="2818496" y="1966669"/>
+              <a:ext cx="469997" cy="3149931"/>
+            </a:xfrm>
+            <a:prstGeom prst="rect">
+              <a:avLst/>
+            </a:prstGeom>
+            <a:solidFill>
+              <a:srgbClr val="FCAE91">
+                <a:alpha val="100000"/>
+              </a:srgbClr>
+            </a:solidFill>
+          </p:spPr>
+          <p:txBody>
+            <a:bodyPr/>
+            <a:lstStyle/>
+            <a:p/>
+          </p:txBody>
+        </p:sp>
+        <p:sp>
+          <p:nvSpPr>
+            <p:cNvPr id="21" name="rc21"/>
+            <p:cNvSpPr/>
+            <p:nvPr/>
+          </p:nvSpPr>
+          <p:spPr>
+            <a:xfrm>
+              <a:off x="2217943" y="1809173"/>
+              <a:ext cx="2193323" cy="3464924"/>
+            </a:xfrm>
+            <a:prstGeom prst="rect">
+              <a:avLst/>
+            </a:prstGeom>
+            <a:ln w="13550" cap="rnd">
               <a:solidFill>
-                <a:srgbClr val="DEDEDE">
+                <a:srgbClr val="333333">
                   <a:alpha val="100000"/>
                 </a:srgbClr>
               </a:solidFill>
@@ -3728,34 +3819,60 @@
         </p:sp>
         <p:sp>
           <p:nvSpPr>
-            <p:cNvPr id="18" name="pl18"/>
-            <p:cNvSpPr/>
-            <p:nvPr/>
-          </p:nvSpPr>
-          <p:spPr>
-            <a:xfrm>
-              <a:off x="7085523" y="1590617"/>
-              <a:ext cx="0" cy="4048310"/>
+            <p:cNvPr id="22" name="rc22"/>
+            <p:cNvSpPr/>
+            <p:nvPr/>
+          </p:nvSpPr>
+          <p:spPr>
+            <a:xfrm>
+              <a:off x="4480856" y="1809173"/>
+              <a:ext cx="2193323" cy="3464924"/>
+            </a:xfrm>
+            <a:prstGeom prst="rect">
+              <a:avLst/>
+            </a:prstGeom>
+            <a:solidFill>
+              <a:srgbClr val="FFFFFF">
+                <a:alpha val="100000"/>
+              </a:srgbClr>
+            </a:solidFill>
+          </p:spPr>
+          <p:txBody>
+            <a:bodyPr/>
+            <a:lstStyle/>
+            <a:p/>
+          </p:txBody>
+        </p:sp>
+        <p:sp>
+          <p:nvSpPr>
+            <p:cNvPr id="23" name="pl23"/>
+            <p:cNvSpPr/>
+            <p:nvPr/>
+          </p:nvSpPr>
+          <p:spPr>
+            <a:xfrm>
+              <a:off x="4480856" y="4589616"/>
+              <a:ext cx="2193323" cy="0"/>
             </a:xfrm>
             <a:custGeom>
               <a:avLst/>
               <a:pathLst>
-                <a:path w="0" h="4048310">
+                <a:path w="2193323" h="0">
                   <a:moveTo>
-                    <a:pt x="0" y="4048310"/>
+                    <a:pt x="0" y="0"/>
                   </a:moveTo>
                   <a:lnTo>
-                    <a:pt x="0" y="0"/>
-                  </a:lnTo>
-                  <a:lnTo>
-                    <a:pt x="0" y="0"/>
+                    <a:pt x="2193323" y="0"/>
+                  </a:lnTo>
+                  <a:lnTo>
+                    <a:pt x="2193323" y="0"/>
                   </a:lnTo>
                 </a:path>
               </a:pathLst>
             </a:custGeom>
             <a:ln w="6775" cap="flat">
               <a:solidFill>
-                <a:srgbClr val="DEDEDE">
+                <a:srgbClr val="EBEBEB">
                   <a:alpha val="100000"/>
                 </a:srgbClr>
               </a:solidFill>
@@ -3771,525 +3888,34 @@
         </p:sp>
         <p:sp>
           <p:nvSpPr>
-            <p:cNvPr id="19" name="rc19"/>
-            <p:cNvSpPr/>
-            <p:nvPr/>
-          </p:nvSpPr>
-          <p:spPr>
-            <a:xfrm>
-              <a:off x="2023549" y="1674957"/>
-              <a:ext cx="6777983" cy="506038"/>
-            </a:xfrm>
-            <a:prstGeom prst="rect">
-              <a:avLst/>
-            </a:prstGeom>
-            <a:solidFill>
-              <a:srgbClr val="595959">
-                <a:alpha val="100000"/>
-              </a:srgbClr>
-            </a:solidFill>
-          </p:spPr>
-          <p:txBody>
-            <a:bodyPr/>
-            <a:lstStyle/>
-            <a:p/>
-          </p:txBody>
-        </p:sp>
-        <p:sp>
-          <p:nvSpPr>
-            <p:cNvPr id="20" name="rc20"/>
-            <p:cNvSpPr/>
-            <p:nvPr/>
-          </p:nvSpPr>
-          <p:spPr>
-            <a:xfrm>
-              <a:off x="2023549" y="2237222"/>
-              <a:ext cx="5049319" cy="506038"/>
-            </a:xfrm>
-            <a:prstGeom prst="rect">
-              <a:avLst/>
-            </a:prstGeom>
-            <a:solidFill>
-              <a:srgbClr val="595959">
-                <a:alpha val="100000"/>
-              </a:srgbClr>
-            </a:solidFill>
-          </p:spPr>
-          <p:txBody>
-            <a:bodyPr/>
-            <a:lstStyle/>
-            <a:p/>
-          </p:txBody>
-        </p:sp>
-        <p:sp>
-          <p:nvSpPr>
-            <p:cNvPr id="21" name="rc21"/>
-            <p:cNvSpPr/>
-            <p:nvPr/>
-          </p:nvSpPr>
-          <p:spPr>
-            <a:xfrm>
-              <a:off x="2023549" y="2799487"/>
-              <a:ext cx="4839247" cy="506038"/>
-            </a:xfrm>
-            <a:prstGeom prst="rect">
-              <a:avLst/>
-            </a:prstGeom>
-            <a:solidFill>
-              <a:srgbClr val="595959">
-                <a:alpha val="100000"/>
-              </a:srgbClr>
-            </a:solidFill>
-          </p:spPr>
-          <p:txBody>
-            <a:bodyPr/>
-            <a:lstStyle/>
-            <a:p/>
-          </p:txBody>
-        </p:sp>
-        <p:sp>
-          <p:nvSpPr>
-            <p:cNvPr id="22" name="rc22"/>
-            <p:cNvSpPr/>
-            <p:nvPr/>
-          </p:nvSpPr>
-          <p:spPr>
-            <a:xfrm>
-              <a:off x="2023549" y="3361753"/>
-              <a:ext cx="4211562" cy="506038"/>
-            </a:xfrm>
-            <a:prstGeom prst="rect">
-              <a:avLst/>
-            </a:prstGeom>
-            <a:solidFill>
-              <a:srgbClr val="595959">
-                <a:alpha val="100000"/>
-              </a:srgbClr>
-            </a:solidFill>
-          </p:spPr>
-          <p:txBody>
-            <a:bodyPr/>
-            <a:lstStyle/>
-            <a:p/>
-          </p:txBody>
-        </p:sp>
-        <p:sp>
-          <p:nvSpPr>
-            <p:cNvPr id="23" name="rc23"/>
-            <p:cNvSpPr/>
-            <p:nvPr/>
-          </p:nvSpPr>
-          <p:spPr>
-            <a:xfrm>
-              <a:off x="2023549" y="3924018"/>
-              <a:ext cx="3143486" cy="506038"/>
-            </a:xfrm>
-            <a:prstGeom prst="rect">
-              <a:avLst/>
-            </a:prstGeom>
-            <a:solidFill>
-              <a:srgbClr val="595959">
-                <a:alpha val="100000"/>
-              </a:srgbClr>
-            </a:solidFill>
-          </p:spPr>
-          <p:txBody>
-            <a:bodyPr/>
-            <a:lstStyle/>
-            <a:p/>
-          </p:txBody>
-        </p:sp>
-        <p:sp>
-          <p:nvSpPr>
-            <p:cNvPr id="24" name="rc24"/>
-            <p:cNvSpPr/>
-            <p:nvPr/>
-          </p:nvSpPr>
-          <p:spPr>
-            <a:xfrm>
-              <a:off x="2023549" y="4486283"/>
-              <a:ext cx="1551495" cy="506038"/>
-            </a:xfrm>
-            <a:prstGeom prst="rect">
-              <a:avLst/>
-            </a:prstGeom>
-            <a:solidFill>
-              <a:srgbClr val="595959">
-                <a:alpha val="100000"/>
-              </a:srgbClr>
-            </a:solidFill>
-          </p:spPr>
-          <p:txBody>
-            <a:bodyPr/>
-            <a:lstStyle/>
-            <a:p/>
-          </p:txBody>
-        </p:sp>
-        <p:sp>
-          <p:nvSpPr>
-            <p:cNvPr id="25" name="rc25"/>
-            <p:cNvSpPr/>
-            <p:nvPr/>
-          </p:nvSpPr>
-          <p:spPr>
-            <a:xfrm>
-              <a:off x="2023549" y="5048549"/>
-              <a:ext cx="602374" cy="506038"/>
-            </a:xfrm>
-            <a:prstGeom prst="rect">
-              <a:avLst/>
-            </a:prstGeom>
-            <a:solidFill>
-              <a:srgbClr val="595959">
-                <a:alpha val="100000"/>
-              </a:srgbClr>
-            </a:solidFill>
-          </p:spPr>
-          <p:txBody>
-            <a:bodyPr/>
-            <a:lstStyle/>
-            <a:p/>
-          </p:txBody>
-        </p:sp>
-        <p:sp>
-          <p:nvSpPr>
-            <p:cNvPr id="26" name="tx26"/>
-            <p:cNvSpPr/>
-            <p:nvPr/>
-          </p:nvSpPr>
-          <p:spPr>
-            <a:xfrm>
-              <a:off x="7346282" y="1883502"/>
-              <a:ext cx="1300860" cy="67753"/>
-            </a:xfrm>
-            <a:prstGeom prst="rect">
-              <a:avLst/>
-            </a:prstGeom>
-            <a:noFill/>
-          </p:spPr>
-          <p:txBody>
-            <a:bodyPr lIns="0" rIns="0" tIns="0" bIns="0" anchorCtr="1" anchor="ctr" wrap="none"/>
-            <a:lstStyle/>
-            <a:p>
-              <a:pPr algn="l" marL="0" marR="0" indent="0">
-                <a:lnSpc>
-                  <a:spcPts val="853"/>
-                </a:lnSpc>
-                <a:spcBef>
-                  <a:spcPts val="0"/>
-                </a:spcBef>
-                <a:spcAft>
-                  <a:spcPts val="0"/>
-                </a:spcAft>
-              </a:pPr>
-              <a:r>
-                <a:rPr sz="853" b="1">
-                  <a:solidFill>
-                    <a:srgbClr val="FFFFFF">
-                      <a:alpha val="100000"/>
-                    </a:srgbClr>
-                  </a:solidFill>
-                  <a:latin typeface="Arial"/>
-                  <a:cs typeface="Arial"/>
-                </a:rPr>
-                <a:t>综合性跨境电商平台（如天猫国际）</a:t>
-              </a:r>
-            </a:p>
-          </p:txBody>
-        </p:sp>
-        <p:sp>
-          <p:nvSpPr>
-            <p:cNvPr id="27" name="tx27"/>
-            <p:cNvSpPr/>
-            <p:nvPr/>
-          </p:nvSpPr>
-          <p:spPr>
-            <a:xfrm>
-              <a:off x="5536314" y="2445768"/>
-              <a:ext cx="1382163" cy="67753"/>
-            </a:xfrm>
-            <a:prstGeom prst="rect">
-              <a:avLst/>
-            </a:prstGeom>
-            <a:noFill/>
-          </p:spPr>
-          <p:txBody>
-            <a:bodyPr lIns="0" rIns="0" tIns="0" bIns="0" anchorCtr="1" anchor="ctr" wrap="none"/>
-            <a:lstStyle/>
-            <a:p>
-              <a:pPr algn="l" marL="0" marR="0" indent="0">
-                <a:lnSpc>
-                  <a:spcPts val="853"/>
-                </a:lnSpc>
-                <a:spcBef>
-                  <a:spcPts val="0"/>
-                </a:spcBef>
-                <a:spcAft>
-                  <a:spcPts val="0"/>
-                </a:spcAft>
-              </a:pPr>
-              <a:r>
-                <a:rPr sz="853" b="1">
-                  <a:solidFill>
-                    <a:srgbClr val="FFFFFF">
-                      <a:alpha val="100000"/>
-                    </a:srgbClr>
-                  </a:solidFill>
-                  <a:latin typeface="Arial"/>
-                  <a:cs typeface="Arial"/>
-                </a:rPr>
-                <a:t>跨境购物社区（如小红书、洋码头等）</a:t>
-              </a:r>
-            </a:p>
-          </p:txBody>
-        </p:sp>
-        <p:sp>
-          <p:nvSpPr>
-            <p:cNvPr id="28" name="tx28"/>
-            <p:cNvSpPr/>
-            <p:nvPr/>
-          </p:nvSpPr>
-          <p:spPr>
-            <a:xfrm>
-              <a:off x="5326242" y="3008033"/>
-              <a:ext cx="1382163" cy="67753"/>
-            </a:xfrm>
-            <a:prstGeom prst="rect">
-              <a:avLst/>
-            </a:prstGeom>
-            <a:noFill/>
-          </p:spPr>
-          <p:txBody>
-            <a:bodyPr lIns="0" rIns="0" tIns="0" bIns="0" anchorCtr="1" anchor="ctr" wrap="none"/>
-            <a:lstStyle/>
-            <a:p>
-              <a:pPr algn="l" marL="0" marR="0" indent="0">
-                <a:lnSpc>
-                  <a:spcPts val="853"/>
-                </a:lnSpc>
-                <a:spcBef>
-                  <a:spcPts val="0"/>
-                </a:spcBef>
-                <a:spcAft>
-                  <a:spcPts val="0"/>
-                </a:spcAft>
-              </a:pPr>
-              <a:r>
-                <a:rPr sz="853" b="1">
-                  <a:solidFill>
-                    <a:srgbClr val="FFFFFF">
-                      <a:alpha val="100000"/>
-                    </a:srgbClr>
-                  </a:solidFill>
-                  <a:latin typeface="Arial"/>
-                  <a:cs typeface="Arial"/>
-                </a:rPr>
-                <a:t>私人代购（如微博代购达人、微商等）</a:t>
-              </a:r>
-            </a:p>
-          </p:txBody>
-        </p:sp>
-        <p:sp>
-          <p:nvSpPr>
-            <p:cNvPr id="29" name="tx29"/>
-            <p:cNvSpPr/>
-            <p:nvPr/>
-          </p:nvSpPr>
-          <p:spPr>
-            <a:xfrm>
-              <a:off x="5105076" y="3570299"/>
-              <a:ext cx="975645" cy="67753"/>
-            </a:xfrm>
-            <a:prstGeom prst="rect">
-              <a:avLst/>
-            </a:prstGeom>
-            <a:noFill/>
-          </p:spPr>
-          <p:txBody>
-            <a:bodyPr lIns="0" rIns="0" tIns="0" bIns="0" anchorCtr="1" anchor="ctr" wrap="none"/>
-            <a:lstStyle/>
-            <a:p>
-              <a:pPr algn="l" marL="0" marR="0" indent="0">
-                <a:lnSpc>
-                  <a:spcPts val="853"/>
-                </a:lnSpc>
-                <a:spcBef>
-                  <a:spcPts val="0"/>
-                </a:spcBef>
-                <a:spcAft>
-                  <a:spcPts val="0"/>
-                </a:spcAft>
-              </a:pPr>
-              <a:r>
-                <a:rPr sz="853" b="1">
-                  <a:solidFill>
-                    <a:srgbClr val="FFFFFF">
-                      <a:alpha val="100000"/>
-                    </a:srgbClr>
-                  </a:solidFill>
-                  <a:latin typeface="Arial"/>
-                  <a:cs typeface="Arial"/>
-                </a:rPr>
-                <a:t>海外电商平台（如亚马逊）</a:t>
-              </a:r>
-            </a:p>
-          </p:txBody>
-        </p:sp>
-        <p:sp>
-          <p:nvSpPr>
-            <p:cNvPr id="30" name="tx30"/>
-            <p:cNvSpPr/>
-            <p:nvPr/>
-          </p:nvSpPr>
-          <p:spPr>
-            <a:xfrm>
-              <a:off x="5321425" y="4148084"/>
-              <a:ext cx="487822" cy="67753"/>
-            </a:xfrm>
-            <a:prstGeom prst="rect">
-              <a:avLst/>
-            </a:prstGeom>
-            <a:noFill/>
-          </p:spPr>
-          <p:txBody>
-            <a:bodyPr lIns="0" rIns="0" tIns="0" bIns="0" anchorCtr="1" anchor="ctr" wrap="none"/>
-            <a:lstStyle/>
-            <a:p>
-              <a:pPr algn="l" marL="0" marR="0" indent="0">
-                <a:lnSpc>
-                  <a:spcPts val="853"/>
-                </a:lnSpc>
-                <a:spcBef>
-                  <a:spcPts val="0"/>
-                </a:spcBef>
-                <a:spcAft>
-                  <a:spcPts val="0"/>
-                </a:spcAft>
-              </a:pPr>
-              <a:r>
-                <a:rPr sz="853">
-                  <a:solidFill>
-                    <a:srgbClr val="000000">
-                      <a:alpha val="100000"/>
-                    </a:srgbClr>
-                  </a:solidFill>
-                  <a:latin typeface="Arial"/>
-                  <a:cs typeface="Arial"/>
-                </a:rPr>
-                <a:t>海外品牌官网</a:t>
-              </a:r>
-            </a:p>
-          </p:txBody>
-        </p:sp>
-        <p:sp>
-          <p:nvSpPr>
-            <p:cNvPr id="31" name="tx31"/>
-            <p:cNvSpPr/>
-            <p:nvPr/>
-          </p:nvSpPr>
-          <p:spPr>
-            <a:xfrm>
-              <a:off x="3729434" y="4710349"/>
-              <a:ext cx="487822" cy="67753"/>
-            </a:xfrm>
-            <a:prstGeom prst="rect">
-              <a:avLst/>
-            </a:prstGeom>
-            <a:noFill/>
-          </p:spPr>
-          <p:txBody>
-            <a:bodyPr lIns="0" rIns="0" tIns="0" bIns="0" anchorCtr="1" anchor="ctr" wrap="none"/>
-            <a:lstStyle/>
-            <a:p>
-              <a:pPr algn="l" marL="0" marR="0" indent="0">
-                <a:lnSpc>
-                  <a:spcPts val="853"/>
-                </a:lnSpc>
-                <a:spcBef>
-                  <a:spcPts val="0"/>
-                </a:spcBef>
-                <a:spcAft>
-                  <a:spcPts val="0"/>
-                </a:spcAft>
-              </a:pPr>
-              <a:r>
-                <a:rPr sz="853">
-                  <a:solidFill>
-                    <a:srgbClr val="000000">
-                      <a:alpha val="100000"/>
-                    </a:srgbClr>
-                  </a:solidFill>
-                  <a:latin typeface="Arial"/>
-                  <a:cs typeface="Arial"/>
-                </a:rPr>
-                <a:t>委托亲友代购</a:t>
-              </a:r>
-            </a:p>
-          </p:txBody>
-        </p:sp>
-        <p:sp>
-          <p:nvSpPr>
-            <p:cNvPr id="32" name="tx32"/>
-            <p:cNvSpPr/>
-            <p:nvPr/>
-          </p:nvSpPr>
-          <p:spPr>
-            <a:xfrm>
-              <a:off x="2780314" y="5272614"/>
-              <a:ext cx="975645" cy="67753"/>
-            </a:xfrm>
-            <a:prstGeom prst="rect">
-              <a:avLst/>
-            </a:prstGeom>
-            <a:noFill/>
-          </p:spPr>
-          <p:txBody>
-            <a:bodyPr lIns="0" rIns="0" tIns="0" bIns="0" anchorCtr="1" anchor="ctr" wrap="none"/>
-            <a:lstStyle/>
-            <a:p>
-              <a:pPr algn="l" marL="0" marR="0" indent="0">
-                <a:lnSpc>
-                  <a:spcPts val="853"/>
-                </a:lnSpc>
-                <a:spcBef>
-                  <a:spcPts val="0"/>
-                </a:spcBef>
-                <a:spcAft>
-                  <a:spcPts val="0"/>
-                </a:spcAft>
-              </a:pPr>
-              <a:r>
-                <a:rPr sz="853">
-                  <a:solidFill>
-                    <a:srgbClr val="000000">
-                      <a:alpha val="100000"/>
-                    </a:srgbClr>
-                  </a:solidFill>
-                  <a:latin typeface="Arial"/>
-                  <a:cs typeface="Arial"/>
-                </a:rPr>
-                <a:t>不会选择海外品牌的益生菌</a:t>
-              </a:r>
-            </a:p>
-          </p:txBody>
-        </p:sp>
-        <p:sp>
-          <p:nvSpPr>
-            <p:cNvPr id="33" name="rc33"/>
-            <p:cNvSpPr/>
-            <p:nvPr/>
-          </p:nvSpPr>
-          <p:spPr>
-            <a:xfrm>
-              <a:off x="2023549" y="1590617"/>
-              <a:ext cx="6913543" cy="4048310"/>
-            </a:xfrm>
-            <a:prstGeom prst="rect">
-              <a:avLst/>
-            </a:prstGeom>
-            <a:ln w="13550" cap="rnd">
+            <p:cNvPr id="24" name="pl24"/>
+            <p:cNvSpPr/>
+            <p:nvPr/>
+          </p:nvSpPr>
+          <p:spPr>
+            <a:xfrm>
+              <a:off x="4480856" y="3535646"/>
+              <a:ext cx="2193323" cy="0"/>
+            </a:xfrm>
+            <a:custGeom>
+              <a:avLst/>
+              <a:pathLst>
+                <a:path w="2193323" h="0">
+                  <a:moveTo>
+                    <a:pt x="0" y="0"/>
+                  </a:moveTo>
+                  <a:lnTo>
+                    <a:pt x="2193323" y="0"/>
+                  </a:lnTo>
+                  <a:lnTo>
+                    <a:pt x="2193323" y="0"/>
+                  </a:lnTo>
+                </a:path>
+              </a:pathLst>
+            </a:custGeom>
+            <a:ln w="6775" cap="flat">
               <a:solidFill>
-                <a:srgbClr val="B3B3B3">
+                <a:srgbClr val="EBEBEB">
                   <a:alpha val="100000"/>
                 </a:srgbClr>
               </a:solidFill>
@@ -4305,14 +3931,1203 @@
         </p:sp>
         <p:sp>
           <p:nvSpPr>
-            <p:cNvPr id="34" name="tx34"/>
-            <p:cNvSpPr/>
-            <p:nvPr/>
-          </p:nvSpPr>
-          <p:spPr>
-            <a:xfrm>
-              <a:off x="1926599" y="5262660"/>
-              <a:ext cx="62155" cy="78908"/>
+            <p:cNvPr id="25" name="pl25"/>
+            <p:cNvSpPr/>
+            <p:nvPr/>
+          </p:nvSpPr>
+          <p:spPr>
+            <a:xfrm>
+              <a:off x="4480856" y="2481677"/>
+              <a:ext cx="2193323" cy="0"/>
+            </a:xfrm>
+            <a:custGeom>
+              <a:avLst/>
+              <a:pathLst>
+                <a:path w="2193323" h="0">
+                  <a:moveTo>
+                    <a:pt x="0" y="0"/>
+                  </a:moveTo>
+                  <a:lnTo>
+                    <a:pt x="2193323" y="0"/>
+                  </a:lnTo>
+                  <a:lnTo>
+                    <a:pt x="2193323" y="0"/>
+                  </a:lnTo>
+                </a:path>
+              </a:pathLst>
+            </a:custGeom>
+            <a:ln w="6775" cap="flat">
+              <a:solidFill>
+                <a:srgbClr val="EBEBEB">
+                  <a:alpha val="100000"/>
+                </a:srgbClr>
+              </a:solidFill>
+              <a:prstDash val="solid"/>
+              <a:round/>
+            </a:ln>
+          </p:spPr>
+          <p:txBody>
+            <a:bodyPr/>
+            <a:lstStyle/>
+            <a:p/>
+          </p:txBody>
+        </p:sp>
+        <p:sp>
+          <p:nvSpPr>
+            <p:cNvPr id="26" name="pl26"/>
+            <p:cNvSpPr/>
+            <p:nvPr/>
+          </p:nvSpPr>
+          <p:spPr>
+            <a:xfrm>
+              <a:off x="4480856" y="5116600"/>
+              <a:ext cx="2193323" cy="0"/>
+            </a:xfrm>
+            <a:custGeom>
+              <a:avLst/>
+              <a:pathLst>
+                <a:path w="2193323" h="0">
+                  <a:moveTo>
+                    <a:pt x="0" y="0"/>
+                  </a:moveTo>
+                  <a:lnTo>
+                    <a:pt x="2193323" y="0"/>
+                  </a:lnTo>
+                  <a:lnTo>
+                    <a:pt x="2193323" y="0"/>
+                  </a:lnTo>
+                </a:path>
+              </a:pathLst>
+            </a:custGeom>
+            <a:ln w="13550" cap="flat">
+              <a:solidFill>
+                <a:srgbClr val="EBEBEB">
+                  <a:alpha val="100000"/>
+                </a:srgbClr>
+              </a:solidFill>
+              <a:prstDash val="solid"/>
+              <a:round/>
+            </a:ln>
+          </p:spPr>
+          <p:txBody>
+            <a:bodyPr/>
+            <a:lstStyle/>
+            <a:p/>
+          </p:txBody>
+        </p:sp>
+        <p:sp>
+          <p:nvSpPr>
+            <p:cNvPr id="27" name="pl27"/>
+            <p:cNvSpPr/>
+            <p:nvPr/>
+          </p:nvSpPr>
+          <p:spPr>
+            <a:xfrm>
+              <a:off x="4480856" y="4062631"/>
+              <a:ext cx="2193323" cy="0"/>
+            </a:xfrm>
+            <a:custGeom>
+              <a:avLst/>
+              <a:pathLst>
+                <a:path w="2193323" h="0">
+                  <a:moveTo>
+                    <a:pt x="0" y="0"/>
+                  </a:moveTo>
+                  <a:lnTo>
+                    <a:pt x="2193323" y="0"/>
+                  </a:lnTo>
+                  <a:lnTo>
+                    <a:pt x="2193323" y="0"/>
+                  </a:lnTo>
+                </a:path>
+              </a:pathLst>
+            </a:custGeom>
+            <a:ln w="13550" cap="flat">
+              <a:solidFill>
+                <a:srgbClr val="EBEBEB">
+                  <a:alpha val="100000"/>
+                </a:srgbClr>
+              </a:solidFill>
+              <a:prstDash val="solid"/>
+              <a:round/>
+            </a:ln>
+          </p:spPr>
+          <p:txBody>
+            <a:bodyPr/>
+            <a:lstStyle/>
+            <a:p/>
+          </p:txBody>
+        </p:sp>
+        <p:sp>
+          <p:nvSpPr>
+            <p:cNvPr id="28" name="pl28"/>
+            <p:cNvSpPr/>
+            <p:nvPr/>
+          </p:nvSpPr>
+          <p:spPr>
+            <a:xfrm>
+              <a:off x="4480856" y="3008662"/>
+              <a:ext cx="2193323" cy="0"/>
+            </a:xfrm>
+            <a:custGeom>
+              <a:avLst/>
+              <a:pathLst>
+                <a:path w="2193323" h="0">
+                  <a:moveTo>
+                    <a:pt x="0" y="0"/>
+                  </a:moveTo>
+                  <a:lnTo>
+                    <a:pt x="2193323" y="0"/>
+                  </a:lnTo>
+                  <a:lnTo>
+                    <a:pt x="2193323" y="0"/>
+                  </a:lnTo>
+                </a:path>
+              </a:pathLst>
+            </a:custGeom>
+            <a:ln w="13550" cap="flat">
+              <a:solidFill>
+                <a:srgbClr val="EBEBEB">
+                  <a:alpha val="100000"/>
+                </a:srgbClr>
+              </a:solidFill>
+              <a:prstDash val="solid"/>
+              <a:round/>
+            </a:ln>
+          </p:spPr>
+          <p:txBody>
+            <a:bodyPr/>
+            <a:lstStyle/>
+            <a:p/>
+          </p:txBody>
+        </p:sp>
+        <p:sp>
+          <p:nvSpPr>
+            <p:cNvPr id="29" name="pl29"/>
+            <p:cNvSpPr/>
+            <p:nvPr/>
+          </p:nvSpPr>
+          <p:spPr>
+            <a:xfrm>
+              <a:off x="4480856" y="1954692"/>
+              <a:ext cx="2193323" cy="0"/>
+            </a:xfrm>
+            <a:custGeom>
+              <a:avLst/>
+              <a:pathLst>
+                <a:path w="2193323" h="0">
+                  <a:moveTo>
+                    <a:pt x="0" y="0"/>
+                  </a:moveTo>
+                  <a:lnTo>
+                    <a:pt x="2193323" y="0"/>
+                  </a:lnTo>
+                  <a:lnTo>
+                    <a:pt x="2193323" y="0"/>
+                  </a:lnTo>
+                </a:path>
+              </a:pathLst>
+            </a:custGeom>
+            <a:ln w="13550" cap="flat">
+              <a:solidFill>
+                <a:srgbClr val="EBEBEB">
+                  <a:alpha val="100000"/>
+                </a:srgbClr>
+              </a:solidFill>
+              <a:prstDash val="solid"/>
+              <a:round/>
+            </a:ln>
+          </p:spPr>
+          <p:txBody>
+            <a:bodyPr/>
+            <a:lstStyle/>
+            <a:p/>
+          </p:txBody>
+        </p:sp>
+        <p:sp>
+          <p:nvSpPr>
+            <p:cNvPr id="30" name="pl30"/>
+            <p:cNvSpPr/>
+            <p:nvPr/>
+          </p:nvSpPr>
+          <p:spPr>
+            <a:xfrm>
+              <a:off x="4794188" y="1809173"/>
+              <a:ext cx="0" cy="3464924"/>
+            </a:xfrm>
+            <a:custGeom>
+              <a:avLst/>
+              <a:pathLst>
+                <a:path w="0" h="3464924">
+                  <a:moveTo>
+                    <a:pt x="0" y="3464924"/>
+                  </a:moveTo>
+                  <a:lnTo>
+                    <a:pt x="0" y="0"/>
+                  </a:lnTo>
+                  <a:lnTo>
+                    <a:pt x="0" y="0"/>
+                  </a:lnTo>
+                </a:path>
+              </a:pathLst>
+            </a:custGeom>
+            <a:ln w="13550" cap="flat">
+              <a:solidFill>
+                <a:srgbClr val="EBEBEB">
+                  <a:alpha val="100000"/>
+                </a:srgbClr>
+              </a:solidFill>
+              <a:prstDash val="solid"/>
+              <a:round/>
+            </a:ln>
+          </p:spPr>
+          <p:txBody>
+            <a:bodyPr/>
+            <a:lstStyle/>
+            <a:p/>
+          </p:txBody>
+        </p:sp>
+        <p:sp>
+          <p:nvSpPr>
+            <p:cNvPr id="31" name="pl31"/>
+            <p:cNvSpPr/>
+            <p:nvPr/>
+          </p:nvSpPr>
+          <p:spPr>
+            <a:xfrm>
+              <a:off x="5316408" y="1809173"/>
+              <a:ext cx="0" cy="3464924"/>
+            </a:xfrm>
+            <a:custGeom>
+              <a:avLst/>
+              <a:pathLst>
+                <a:path w="0" h="3464924">
+                  <a:moveTo>
+                    <a:pt x="0" y="3464924"/>
+                  </a:moveTo>
+                  <a:lnTo>
+                    <a:pt x="0" y="0"/>
+                  </a:lnTo>
+                  <a:lnTo>
+                    <a:pt x="0" y="0"/>
+                  </a:lnTo>
+                </a:path>
+              </a:pathLst>
+            </a:custGeom>
+            <a:ln w="13550" cap="flat">
+              <a:solidFill>
+                <a:srgbClr val="EBEBEB">
+                  <a:alpha val="100000"/>
+                </a:srgbClr>
+              </a:solidFill>
+              <a:prstDash val="solid"/>
+              <a:round/>
+            </a:ln>
+          </p:spPr>
+          <p:txBody>
+            <a:bodyPr/>
+            <a:lstStyle/>
+            <a:p/>
+          </p:txBody>
+        </p:sp>
+        <p:sp>
+          <p:nvSpPr>
+            <p:cNvPr id="32" name="pl32"/>
+            <p:cNvSpPr/>
+            <p:nvPr/>
+          </p:nvSpPr>
+          <p:spPr>
+            <a:xfrm>
+              <a:off x="5838627" y="1809173"/>
+              <a:ext cx="0" cy="3464924"/>
+            </a:xfrm>
+            <a:custGeom>
+              <a:avLst/>
+              <a:pathLst>
+                <a:path w="0" h="3464924">
+                  <a:moveTo>
+                    <a:pt x="0" y="3464924"/>
+                  </a:moveTo>
+                  <a:lnTo>
+                    <a:pt x="0" y="0"/>
+                  </a:lnTo>
+                  <a:lnTo>
+                    <a:pt x="0" y="0"/>
+                  </a:lnTo>
+                </a:path>
+              </a:pathLst>
+            </a:custGeom>
+            <a:ln w="13550" cap="flat">
+              <a:solidFill>
+                <a:srgbClr val="EBEBEB">
+                  <a:alpha val="100000"/>
+                </a:srgbClr>
+              </a:solidFill>
+              <a:prstDash val="solid"/>
+              <a:round/>
+            </a:ln>
+          </p:spPr>
+          <p:txBody>
+            <a:bodyPr/>
+            <a:lstStyle/>
+            <a:p/>
+          </p:txBody>
+        </p:sp>
+        <p:sp>
+          <p:nvSpPr>
+            <p:cNvPr id="33" name="pl33"/>
+            <p:cNvSpPr/>
+            <p:nvPr/>
+          </p:nvSpPr>
+          <p:spPr>
+            <a:xfrm>
+              <a:off x="6360847" y="1809173"/>
+              <a:ext cx="0" cy="3464924"/>
+            </a:xfrm>
+            <a:custGeom>
+              <a:avLst/>
+              <a:pathLst>
+                <a:path w="0" h="3464924">
+                  <a:moveTo>
+                    <a:pt x="0" y="3464924"/>
+                  </a:moveTo>
+                  <a:lnTo>
+                    <a:pt x="0" y="0"/>
+                  </a:lnTo>
+                  <a:lnTo>
+                    <a:pt x="0" y="0"/>
+                  </a:lnTo>
+                </a:path>
+              </a:pathLst>
+            </a:custGeom>
+            <a:ln w="13550" cap="flat">
+              <a:solidFill>
+                <a:srgbClr val="EBEBEB">
+                  <a:alpha val="100000"/>
+                </a:srgbClr>
+              </a:solidFill>
+              <a:prstDash val="solid"/>
+              <a:round/>
+            </a:ln>
+          </p:spPr>
+          <p:txBody>
+            <a:bodyPr/>
+            <a:lstStyle/>
+            <a:p/>
+          </p:txBody>
+        </p:sp>
+        <p:sp>
+          <p:nvSpPr>
+            <p:cNvPr id="34" name="rc34"/>
+            <p:cNvSpPr/>
+            <p:nvPr/>
+          </p:nvSpPr>
+          <p:spPr>
+            <a:xfrm>
+              <a:off x="5603629" y="4180643"/>
+              <a:ext cx="469997" cy="935957"/>
+            </a:xfrm>
+            <a:prstGeom prst="rect">
+              <a:avLst/>
+            </a:prstGeom>
+            <a:solidFill>
+              <a:srgbClr val="FB6A4A">
+                <a:alpha val="100000"/>
+              </a:srgbClr>
+            </a:solidFill>
+          </p:spPr>
+          <p:txBody>
+            <a:bodyPr/>
+            <a:lstStyle/>
+            <a:p/>
+          </p:txBody>
+        </p:sp>
+        <p:sp>
+          <p:nvSpPr>
+            <p:cNvPr id="35" name="rc35"/>
+            <p:cNvSpPr/>
+            <p:nvPr/>
+          </p:nvSpPr>
+          <p:spPr>
+            <a:xfrm>
+              <a:off x="4559189" y="4567234"/>
+              <a:ext cx="469997" cy="549366"/>
+            </a:xfrm>
+            <a:prstGeom prst="rect">
+              <a:avLst/>
+            </a:prstGeom>
+            <a:solidFill>
+              <a:srgbClr val="FEE5D9">
+                <a:alpha val="100000"/>
+              </a:srgbClr>
+            </a:solidFill>
+          </p:spPr>
+          <p:txBody>
+            <a:bodyPr/>
+            <a:lstStyle/>
+            <a:p/>
+          </p:txBody>
+        </p:sp>
+        <p:sp>
+          <p:nvSpPr>
+            <p:cNvPr id="36" name="rc36"/>
+            <p:cNvSpPr/>
+            <p:nvPr/>
+          </p:nvSpPr>
+          <p:spPr>
+            <a:xfrm>
+              <a:off x="6125848" y="3997521"/>
+              <a:ext cx="469997" cy="1119079"/>
+            </a:xfrm>
+            <a:prstGeom prst="rect">
+              <a:avLst/>
+            </a:prstGeom>
+            <a:solidFill>
+              <a:srgbClr val="CB181D">
+                <a:alpha val="100000"/>
+              </a:srgbClr>
+            </a:solidFill>
+          </p:spPr>
+          <p:txBody>
+            <a:bodyPr/>
+            <a:lstStyle/>
+            <a:p/>
+          </p:txBody>
+        </p:sp>
+        <p:sp>
+          <p:nvSpPr>
+            <p:cNvPr id="37" name="rc37"/>
+            <p:cNvSpPr/>
+            <p:nvPr/>
+          </p:nvSpPr>
+          <p:spPr>
+            <a:xfrm>
+              <a:off x="5081409" y="2451157"/>
+              <a:ext cx="469997" cy="2665443"/>
+            </a:xfrm>
+            <a:prstGeom prst="rect">
+              <a:avLst/>
+            </a:prstGeom>
+            <a:solidFill>
+              <a:srgbClr val="FCAE91">
+                <a:alpha val="100000"/>
+              </a:srgbClr>
+            </a:solidFill>
+          </p:spPr>
+          <p:txBody>
+            <a:bodyPr/>
+            <a:lstStyle/>
+            <a:p/>
+          </p:txBody>
+        </p:sp>
+        <p:sp>
+          <p:nvSpPr>
+            <p:cNvPr id="38" name="rc38"/>
+            <p:cNvSpPr/>
+            <p:nvPr/>
+          </p:nvSpPr>
+          <p:spPr>
+            <a:xfrm>
+              <a:off x="4480856" y="1809173"/>
+              <a:ext cx="2193323" cy="3464924"/>
+            </a:xfrm>
+            <a:prstGeom prst="rect">
+              <a:avLst/>
+            </a:prstGeom>
+            <a:ln w="13550" cap="rnd">
+              <a:solidFill>
+                <a:srgbClr val="333333">
+                  <a:alpha val="100000"/>
+                </a:srgbClr>
+              </a:solidFill>
+              <a:prstDash val="solid"/>
+              <a:round/>
+            </a:ln>
+          </p:spPr>
+          <p:txBody>
+            <a:bodyPr/>
+            <a:lstStyle/>
+            <a:p/>
+          </p:txBody>
+        </p:sp>
+        <p:sp>
+          <p:nvSpPr>
+            <p:cNvPr id="39" name="rc39"/>
+            <p:cNvSpPr/>
+            <p:nvPr/>
+          </p:nvSpPr>
+          <p:spPr>
+            <a:xfrm>
+              <a:off x="6743768" y="1809173"/>
+              <a:ext cx="2193323" cy="3464924"/>
+            </a:xfrm>
+            <a:prstGeom prst="rect">
+              <a:avLst/>
+            </a:prstGeom>
+            <a:solidFill>
+              <a:srgbClr val="FFFFFF">
+                <a:alpha val="100000"/>
+              </a:srgbClr>
+            </a:solidFill>
+          </p:spPr>
+          <p:txBody>
+            <a:bodyPr/>
+            <a:lstStyle/>
+            <a:p/>
+          </p:txBody>
+        </p:sp>
+        <p:sp>
+          <p:nvSpPr>
+            <p:cNvPr id="40" name="pl40"/>
+            <p:cNvSpPr/>
+            <p:nvPr/>
+          </p:nvSpPr>
+          <p:spPr>
+            <a:xfrm>
+              <a:off x="6743768" y="4589616"/>
+              <a:ext cx="2193323" cy="0"/>
+            </a:xfrm>
+            <a:custGeom>
+              <a:avLst/>
+              <a:pathLst>
+                <a:path w="2193323" h="0">
+                  <a:moveTo>
+                    <a:pt x="0" y="0"/>
+                  </a:moveTo>
+                  <a:lnTo>
+                    <a:pt x="2193323" y="0"/>
+                  </a:lnTo>
+                  <a:lnTo>
+                    <a:pt x="2193323" y="0"/>
+                  </a:lnTo>
+                </a:path>
+              </a:pathLst>
+            </a:custGeom>
+            <a:ln w="6775" cap="flat">
+              <a:solidFill>
+                <a:srgbClr val="EBEBEB">
+                  <a:alpha val="100000"/>
+                </a:srgbClr>
+              </a:solidFill>
+              <a:prstDash val="solid"/>
+              <a:round/>
+            </a:ln>
+          </p:spPr>
+          <p:txBody>
+            <a:bodyPr/>
+            <a:lstStyle/>
+            <a:p/>
+          </p:txBody>
+        </p:sp>
+        <p:sp>
+          <p:nvSpPr>
+            <p:cNvPr id="41" name="pl41"/>
+            <p:cNvSpPr/>
+            <p:nvPr/>
+          </p:nvSpPr>
+          <p:spPr>
+            <a:xfrm>
+              <a:off x="6743768" y="3535646"/>
+              <a:ext cx="2193323" cy="0"/>
+            </a:xfrm>
+            <a:custGeom>
+              <a:avLst/>
+              <a:pathLst>
+                <a:path w="2193323" h="0">
+                  <a:moveTo>
+                    <a:pt x="0" y="0"/>
+                  </a:moveTo>
+                  <a:lnTo>
+                    <a:pt x="2193323" y="0"/>
+                  </a:lnTo>
+                  <a:lnTo>
+                    <a:pt x="2193323" y="0"/>
+                  </a:lnTo>
+                </a:path>
+              </a:pathLst>
+            </a:custGeom>
+            <a:ln w="6775" cap="flat">
+              <a:solidFill>
+                <a:srgbClr val="EBEBEB">
+                  <a:alpha val="100000"/>
+                </a:srgbClr>
+              </a:solidFill>
+              <a:prstDash val="solid"/>
+              <a:round/>
+            </a:ln>
+          </p:spPr>
+          <p:txBody>
+            <a:bodyPr/>
+            <a:lstStyle/>
+            <a:p/>
+          </p:txBody>
+        </p:sp>
+        <p:sp>
+          <p:nvSpPr>
+            <p:cNvPr id="42" name="pl42"/>
+            <p:cNvSpPr/>
+            <p:nvPr/>
+          </p:nvSpPr>
+          <p:spPr>
+            <a:xfrm>
+              <a:off x="6743768" y="2481677"/>
+              <a:ext cx="2193323" cy="0"/>
+            </a:xfrm>
+            <a:custGeom>
+              <a:avLst/>
+              <a:pathLst>
+                <a:path w="2193323" h="0">
+                  <a:moveTo>
+                    <a:pt x="0" y="0"/>
+                  </a:moveTo>
+                  <a:lnTo>
+                    <a:pt x="2193323" y="0"/>
+                  </a:lnTo>
+                  <a:lnTo>
+                    <a:pt x="2193323" y="0"/>
+                  </a:lnTo>
+                </a:path>
+              </a:pathLst>
+            </a:custGeom>
+            <a:ln w="6775" cap="flat">
+              <a:solidFill>
+                <a:srgbClr val="EBEBEB">
+                  <a:alpha val="100000"/>
+                </a:srgbClr>
+              </a:solidFill>
+              <a:prstDash val="solid"/>
+              <a:round/>
+            </a:ln>
+          </p:spPr>
+          <p:txBody>
+            <a:bodyPr/>
+            <a:lstStyle/>
+            <a:p/>
+          </p:txBody>
+        </p:sp>
+        <p:sp>
+          <p:nvSpPr>
+            <p:cNvPr id="43" name="pl43"/>
+            <p:cNvSpPr/>
+            <p:nvPr/>
+          </p:nvSpPr>
+          <p:spPr>
+            <a:xfrm>
+              <a:off x="6743768" y="5116600"/>
+              <a:ext cx="2193323" cy="0"/>
+            </a:xfrm>
+            <a:custGeom>
+              <a:avLst/>
+              <a:pathLst>
+                <a:path w="2193323" h="0">
+                  <a:moveTo>
+                    <a:pt x="0" y="0"/>
+                  </a:moveTo>
+                  <a:lnTo>
+                    <a:pt x="2193323" y="0"/>
+                  </a:lnTo>
+                  <a:lnTo>
+                    <a:pt x="2193323" y="0"/>
+                  </a:lnTo>
+                </a:path>
+              </a:pathLst>
+            </a:custGeom>
+            <a:ln w="13550" cap="flat">
+              <a:solidFill>
+                <a:srgbClr val="EBEBEB">
+                  <a:alpha val="100000"/>
+                </a:srgbClr>
+              </a:solidFill>
+              <a:prstDash val="solid"/>
+              <a:round/>
+            </a:ln>
+          </p:spPr>
+          <p:txBody>
+            <a:bodyPr/>
+            <a:lstStyle/>
+            <a:p/>
+          </p:txBody>
+        </p:sp>
+        <p:sp>
+          <p:nvSpPr>
+            <p:cNvPr id="44" name="pl44"/>
+            <p:cNvSpPr/>
+            <p:nvPr/>
+          </p:nvSpPr>
+          <p:spPr>
+            <a:xfrm>
+              <a:off x="6743768" y="4062631"/>
+              <a:ext cx="2193323" cy="0"/>
+            </a:xfrm>
+            <a:custGeom>
+              <a:avLst/>
+              <a:pathLst>
+                <a:path w="2193323" h="0">
+                  <a:moveTo>
+                    <a:pt x="0" y="0"/>
+                  </a:moveTo>
+                  <a:lnTo>
+                    <a:pt x="2193323" y="0"/>
+                  </a:lnTo>
+                  <a:lnTo>
+                    <a:pt x="2193323" y="0"/>
+                  </a:lnTo>
+                </a:path>
+              </a:pathLst>
+            </a:custGeom>
+            <a:ln w="13550" cap="flat">
+              <a:solidFill>
+                <a:srgbClr val="EBEBEB">
+                  <a:alpha val="100000"/>
+                </a:srgbClr>
+              </a:solidFill>
+              <a:prstDash val="solid"/>
+              <a:round/>
+            </a:ln>
+          </p:spPr>
+          <p:txBody>
+            <a:bodyPr/>
+            <a:lstStyle/>
+            <a:p/>
+          </p:txBody>
+        </p:sp>
+        <p:sp>
+          <p:nvSpPr>
+            <p:cNvPr id="45" name="pl45"/>
+            <p:cNvSpPr/>
+            <p:nvPr/>
+          </p:nvSpPr>
+          <p:spPr>
+            <a:xfrm>
+              <a:off x="6743768" y="3008662"/>
+              <a:ext cx="2193323" cy="0"/>
+            </a:xfrm>
+            <a:custGeom>
+              <a:avLst/>
+              <a:pathLst>
+                <a:path w="2193323" h="0">
+                  <a:moveTo>
+                    <a:pt x="0" y="0"/>
+                  </a:moveTo>
+                  <a:lnTo>
+                    <a:pt x="2193323" y="0"/>
+                  </a:lnTo>
+                  <a:lnTo>
+                    <a:pt x="2193323" y="0"/>
+                  </a:lnTo>
+                </a:path>
+              </a:pathLst>
+            </a:custGeom>
+            <a:ln w="13550" cap="flat">
+              <a:solidFill>
+                <a:srgbClr val="EBEBEB">
+                  <a:alpha val="100000"/>
+                </a:srgbClr>
+              </a:solidFill>
+              <a:prstDash val="solid"/>
+              <a:round/>
+            </a:ln>
+          </p:spPr>
+          <p:txBody>
+            <a:bodyPr/>
+            <a:lstStyle/>
+            <a:p/>
+          </p:txBody>
+        </p:sp>
+        <p:sp>
+          <p:nvSpPr>
+            <p:cNvPr id="46" name="pl46"/>
+            <p:cNvSpPr/>
+            <p:nvPr/>
+          </p:nvSpPr>
+          <p:spPr>
+            <a:xfrm>
+              <a:off x="6743768" y="1954692"/>
+              <a:ext cx="2193323" cy="0"/>
+            </a:xfrm>
+            <a:custGeom>
+              <a:avLst/>
+              <a:pathLst>
+                <a:path w="2193323" h="0">
+                  <a:moveTo>
+                    <a:pt x="0" y="0"/>
+                  </a:moveTo>
+                  <a:lnTo>
+                    <a:pt x="2193323" y="0"/>
+                  </a:lnTo>
+                  <a:lnTo>
+                    <a:pt x="2193323" y="0"/>
+                  </a:lnTo>
+                </a:path>
+              </a:pathLst>
+            </a:custGeom>
+            <a:ln w="13550" cap="flat">
+              <a:solidFill>
+                <a:srgbClr val="EBEBEB">
+                  <a:alpha val="100000"/>
+                </a:srgbClr>
+              </a:solidFill>
+              <a:prstDash val="solid"/>
+              <a:round/>
+            </a:ln>
+          </p:spPr>
+          <p:txBody>
+            <a:bodyPr/>
+            <a:lstStyle/>
+            <a:p/>
+          </p:txBody>
+        </p:sp>
+        <p:sp>
+          <p:nvSpPr>
+            <p:cNvPr id="47" name="pl47"/>
+            <p:cNvSpPr/>
+            <p:nvPr/>
+          </p:nvSpPr>
+          <p:spPr>
+            <a:xfrm>
+              <a:off x="7057100" y="1809173"/>
+              <a:ext cx="0" cy="3464924"/>
+            </a:xfrm>
+            <a:custGeom>
+              <a:avLst/>
+              <a:pathLst>
+                <a:path w="0" h="3464924">
+                  <a:moveTo>
+                    <a:pt x="0" y="3464924"/>
+                  </a:moveTo>
+                  <a:lnTo>
+                    <a:pt x="0" y="0"/>
+                  </a:lnTo>
+                  <a:lnTo>
+                    <a:pt x="0" y="0"/>
+                  </a:lnTo>
+                </a:path>
+              </a:pathLst>
+            </a:custGeom>
+            <a:ln w="13550" cap="flat">
+              <a:solidFill>
+                <a:srgbClr val="EBEBEB">
+                  <a:alpha val="100000"/>
+                </a:srgbClr>
+              </a:solidFill>
+              <a:prstDash val="solid"/>
+              <a:round/>
+            </a:ln>
+          </p:spPr>
+          <p:txBody>
+            <a:bodyPr/>
+            <a:lstStyle/>
+            <a:p/>
+          </p:txBody>
+        </p:sp>
+        <p:sp>
+          <p:nvSpPr>
+            <p:cNvPr id="48" name="pl48"/>
+            <p:cNvSpPr/>
+            <p:nvPr/>
+          </p:nvSpPr>
+          <p:spPr>
+            <a:xfrm>
+              <a:off x="7579320" y="1809173"/>
+              <a:ext cx="0" cy="3464924"/>
+            </a:xfrm>
+            <a:custGeom>
+              <a:avLst/>
+              <a:pathLst>
+                <a:path w="0" h="3464924">
+                  <a:moveTo>
+                    <a:pt x="0" y="3464924"/>
+                  </a:moveTo>
+                  <a:lnTo>
+                    <a:pt x="0" y="0"/>
+                  </a:lnTo>
+                  <a:lnTo>
+                    <a:pt x="0" y="0"/>
+                  </a:lnTo>
+                </a:path>
+              </a:pathLst>
+            </a:custGeom>
+            <a:ln w="13550" cap="flat">
+              <a:solidFill>
+                <a:srgbClr val="EBEBEB">
+                  <a:alpha val="100000"/>
+                </a:srgbClr>
+              </a:solidFill>
+              <a:prstDash val="solid"/>
+              <a:round/>
+            </a:ln>
+          </p:spPr>
+          <p:txBody>
+            <a:bodyPr/>
+            <a:lstStyle/>
+            <a:p/>
+          </p:txBody>
+        </p:sp>
+        <p:sp>
+          <p:nvSpPr>
+            <p:cNvPr id="49" name="pl49"/>
+            <p:cNvSpPr/>
+            <p:nvPr/>
+          </p:nvSpPr>
+          <p:spPr>
+            <a:xfrm>
+              <a:off x="8101540" y="1809173"/>
+              <a:ext cx="0" cy="3464924"/>
+            </a:xfrm>
+            <a:custGeom>
+              <a:avLst/>
+              <a:pathLst>
+                <a:path w="0" h="3464924">
+                  <a:moveTo>
+                    <a:pt x="0" y="3464924"/>
+                  </a:moveTo>
+                  <a:lnTo>
+                    <a:pt x="0" y="0"/>
+                  </a:lnTo>
+                  <a:lnTo>
+                    <a:pt x="0" y="0"/>
+                  </a:lnTo>
+                </a:path>
+              </a:pathLst>
+            </a:custGeom>
+            <a:ln w="13550" cap="flat">
+              <a:solidFill>
+                <a:srgbClr val="EBEBEB">
+                  <a:alpha val="100000"/>
+                </a:srgbClr>
+              </a:solidFill>
+              <a:prstDash val="solid"/>
+              <a:round/>
+            </a:ln>
+          </p:spPr>
+          <p:txBody>
+            <a:bodyPr/>
+            <a:lstStyle/>
+            <a:p/>
+          </p:txBody>
+        </p:sp>
+        <p:sp>
+          <p:nvSpPr>
+            <p:cNvPr id="50" name="pl50"/>
+            <p:cNvSpPr/>
+            <p:nvPr/>
+          </p:nvSpPr>
+          <p:spPr>
+            <a:xfrm>
+              <a:off x="8623760" y="1809173"/>
+              <a:ext cx="0" cy="3464924"/>
+            </a:xfrm>
+            <a:custGeom>
+              <a:avLst/>
+              <a:pathLst>
+                <a:path w="0" h="3464924">
+                  <a:moveTo>
+                    <a:pt x="0" y="3464924"/>
+                  </a:moveTo>
+                  <a:lnTo>
+                    <a:pt x="0" y="0"/>
+                  </a:lnTo>
+                  <a:lnTo>
+                    <a:pt x="0" y="0"/>
+                  </a:lnTo>
+                </a:path>
+              </a:pathLst>
+            </a:custGeom>
+            <a:ln w="13550" cap="flat">
+              <a:solidFill>
+                <a:srgbClr val="EBEBEB">
+                  <a:alpha val="100000"/>
+                </a:srgbClr>
+              </a:solidFill>
+              <a:prstDash val="solid"/>
+              <a:round/>
+            </a:ln>
+          </p:spPr>
+          <p:txBody>
+            <a:bodyPr/>
+            <a:lstStyle/>
+            <a:p/>
+          </p:txBody>
+        </p:sp>
+        <p:sp>
+          <p:nvSpPr>
+            <p:cNvPr id="51" name="rc51"/>
+            <p:cNvSpPr/>
+            <p:nvPr/>
+          </p:nvSpPr>
+          <p:spPr>
+            <a:xfrm>
+              <a:off x="7866541" y="3832920"/>
+              <a:ext cx="469997" cy="1283680"/>
+            </a:xfrm>
+            <a:prstGeom prst="rect">
+              <a:avLst/>
+            </a:prstGeom>
+            <a:solidFill>
+              <a:srgbClr val="FB6A4A">
+                <a:alpha val="100000"/>
+              </a:srgbClr>
+            </a:solidFill>
+          </p:spPr>
+          <p:txBody>
+            <a:bodyPr/>
+            <a:lstStyle/>
+            <a:p/>
+          </p:txBody>
+        </p:sp>
+        <p:sp>
+          <p:nvSpPr>
+            <p:cNvPr id="52" name="rc52"/>
+            <p:cNvSpPr/>
+            <p:nvPr/>
+          </p:nvSpPr>
+          <p:spPr>
+            <a:xfrm>
+              <a:off x="6822101" y="4778790"/>
+              <a:ext cx="469997" cy="337810"/>
+            </a:xfrm>
+            <a:prstGeom prst="rect">
+              <a:avLst/>
+            </a:prstGeom>
+            <a:solidFill>
+              <a:srgbClr val="FEE5D9">
+                <a:alpha val="100000"/>
+              </a:srgbClr>
+            </a:solidFill>
+          </p:spPr>
+          <p:txBody>
+            <a:bodyPr/>
+            <a:lstStyle/>
+            <a:p/>
+          </p:txBody>
+        </p:sp>
+        <p:sp>
+          <p:nvSpPr>
+            <p:cNvPr id="53" name="rc53"/>
+            <p:cNvSpPr/>
+            <p:nvPr/>
+          </p:nvSpPr>
+          <p:spPr>
+            <a:xfrm>
+              <a:off x="8388761" y="3832920"/>
+              <a:ext cx="469997" cy="1283680"/>
+            </a:xfrm>
+            <a:prstGeom prst="rect">
+              <a:avLst/>
+            </a:prstGeom>
+            <a:solidFill>
+              <a:srgbClr val="CB181D">
+                <a:alpha val="100000"/>
+              </a:srgbClr>
+            </a:solidFill>
+          </p:spPr>
+          <p:txBody>
+            <a:bodyPr/>
+            <a:lstStyle/>
+            <a:p/>
+          </p:txBody>
+        </p:sp>
+        <p:sp>
+          <p:nvSpPr>
+            <p:cNvPr id="54" name="rc54"/>
+            <p:cNvSpPr/>
+            <p:nvPr/>
+          </p:nvSpPr>
+          <p:spPr>
+            <a:xfrm>
+              <a:off x="7344321" y="2751925"/>
+              <a:ext cx="469997" cy="2364674"/>
+            </a:xfrm>
+            <a:prstGeom prst="rect">
+              <a:avLst/>
+            </a:prstGeom>
+            <a:solidFill>
+              <a:srgbClr val="FCAE91">
+                <a:alpha val="100000"/>
+              </a:srgbClr>
+            </a:solidFill>
+          </p:spPr>
+          <p:txBody>
+            <a:bodyPr/>
+            <a:lstStyle/>
+            <a:p/>
+          </p:txBody>
+        </p:sp>
+        <p:sp>
+          <p:nvSpPr>
+            <p:cNvPr id="55" name="rc55"/>
+            <p:cNvSpPr/>
+            <p:nvPr/>
+          </p:nvSpPr>
+          <p:spPr>
+            <a:xfrm>
+              <a:off x="6743768" y="1809173"/>
+              <a:ext cx="2193323" cy="3464924"/>
+            </a:xfrm>
+            <a:prstGeom prst="rect">
+              <a:avLst/>
+            </a:prstGeom>
+            <a:ln w="13550" cap="rnd">
+              <a:solidFill>
+                <a:srgbClr val="333333">
+                  <a:alpha val="100000"/>
+                </a:srgbClr>
+              </a:solidFill>
+              <a:prstDash val="solid"/>
+              <a:round/>
+            </a:ln>
+          </p:spPr>
+          <p:txBody>
+            <a:bodyPr/>
+            <a:lstStyle/>
+            <a:p/>
+          </p:txBody>
+        </p:sp>
+        <p:sp>
+          <p:nvSpPr>
+            <p:cNvPr id="56" name="rc56"/>
+            <p:cNvSpPr/>
+            <p:nvPr/>
+          </p:nvSpPr>
+          <p:spPr>
+            <a:xfrm>
+              <a:off x="2217943" y="1590617"/>
+              <a:ext cx="2193323" cy="218555"/>
+            </a:xfrm>
+            <a:prstGeom prst="rect">
+              <a:avLst/>
+            </a:prstGeom>
+            <a:solidFill>
+              <a:srgbClr val="D9D9D9">
+                <a:alpha val="100000"/>
+              </a:srgbClr>
+            </a:solidFill>
+            <a:ln w="13550" cap="rnd">
+              <a:solidFill>
+                <a:srgbClr val="333333">
+                  <a:alpha val="100000"/>
+                </a:srgbClr>
+              </a:solidFill>
+              <a:prstDash val="solid"/>
+              <a:round/>
+            </a:ln>
+          </p:spPr>
+          <p:txBody>
+            <a:bodyPr/>
+            <a:lstStyle/>
+            <a:p/>
+          </p:txBody>
+        </p:sp>
+        <p:sp>
+          <p:nvSpPr>
+            <p:cNvPr id="57" name="tx57"/>
+            <p:cNvSpPr/>
+            <p:nvPr/>
+          </p:nvSpPr>
+          <p:spPr>
+            <a:xfrm>
+              <a:off x="3105055" y="1670045"/>
+              <a:ext cx="419100" cy="69850"/>
             </a:xfrm>
             <a:prstGeom prst="rect">
               <a:avLst/>
@@ -4335,30 +5150,65 @@
                 </a:spcAft>
               </a:pPr>
               <a:r>
-                <a:rPr sz="880" b="1">
+                <a:rPr sz="880">
                   <a:solidFill>
-                    <a:srgbClr val="4D4D4D">
+                    <a:srgbClr val="1A1A1A">
                       <a:alpha val="100000"/>
                     </a:srgbClr>
                   </a:solidFill>
                   <a:latin typeface="Arial"/>
                   <a:cs typeface="Arial"/>
                 </a:rPr>
-                <a:t>7</a:t>
+                <a:t>基础研究者</a:t>
               </a:r>
             </a:p>
           </p:txBody>
         </p:sp>
         <p:sp>
           <p:nvSpPr>
-            <p:cNvPr id="35" name="tx35"/>
-            <p:cNvSpPr/>
-            <p:nvPr/>
-          </p:nvSpPr>
-          <p:spPr>
-            <a:xfrm>
-              <a:off x="1926599" y="4697611"/>
-              <a:ext cx="62155" cy="81691"/>
+            <p:cNvPr id="58" name="rc58"/>
+            <p:cNvSpPr/>
+            <p:nvPr/>
+          </p:nvSpPr>
+          <p:spPr>
+            <a:xfrm>
+              <a:off x="4480856" y="1590617"/>
+              <a:ext cx="2193323" cy="218555"/>
+            </a:xfrm>
+            <a:prstGeom prst="rect">
+              <a:avLst/>
+            </a:prstGeom>
+            <a:solidFill>
+              <a:srgbClr val="D9D9D9">
+                <a:alpha val="100000"/>
+              </a:srgbClr>
+            </a:solidFill>
+            <a:ln w="13550" cap="rnd">
+              <a:solidFill>
+                <a:srgbClr val="333333">
+                  <a:alpha val="100000"/>
+                </a:srgbClr>
+              </a:solidFill>
+              <a:prstDash val="solid"/>
+              <a:round/>
+            </a:ln>
+          </p:spPr>
+          <p:txBody>
+            <a:bodyPr/>
+            <a:lstStyle/>
+            <a:p/>
+          </p:txBody>
+        </p:sp>
+        <p:sp>
+          <p:nvSpPr>
+            <p:cNvPr id="59" name="tx59"/>
+            <p:cNvSpPr/>
+            <p:nvPr/>
+          </p:nvSpPr>
+          <p:spPr>
+            <a:xfrm>
+              <a:off x="5409878" y="1670045"/>
+              <a:ext cx="335280" cy="69850"/>
             </a:xfrm>
             <a:prstGeom prst="rect">
               <a:avLst/>
@@ -4381,30 +5231,65 @@
                 </a:spcAft>
               </a:pPr>
               <a:r>
-                <a:rPr sz="880" b="1">
+                <a:rPr sz="880">
                   <a:solidFill>
-                    <a:srgbClr val="4D4D4D">
+                    <a:srgbClr val="1A1A1A">
                       <a:alpha val="100000"/>
                     </a:srgbClr>
                   </a:solidFill>
                   <a:latin typeface="Arial"/>
                   <a:cs typeface="Arial"/>
                 </a:rPr>
-                <a:t>6</a:t>
+                <a:t>临床医生</a:t>
               </a:r>
             </a:p>
           </p:txBody>
         </p:sp>
         <p:sp>
           <p:nvSpPr>
-            <p:cNvPr id="36" name="tx36"/>
-            <p:cNvSpPr/>
-            <p:nvPr/>
-          </p:nvSpPr>
-          <p:spPr>
-            <a:xfrm>
-              <a:off x="1926599" y="4136765"/>
-              <a:ext cx="62155" cy="80272"/>
+            <p:cNvPr id="60" name="rc60"/>
+            <p:cNvSpPr/>
+            <p:nvPr/>
+          </p:nvSpPr>
+          <p:spPr>
+            <a:xfrm>
+              <a:off x="6743768" y="1590617"/>
+              <a:ext cx="2193323" cy="218555"/>
+            </a:xfrm>
+            <a:prstGeom prst="rect">
+              <a:avLst/>
+            </a:prstGeom>
+            <a:solidFill>
+              <a:srgbClr val="D9D9D9">
+                <a:alpha val="100000"/>
+              </a:srgbClr>
+            </a:solidFill>
+            <a:ln w="13550" cap="rnd">
+              <a:solidFill>
+                <a:srgbClr val="333333">
+                  <a:alpha val="100000"/>
+                </a:srgbClr>
+              </a:solidFill>
+              <a:prstDash val="solid"/>
+              <a:round/>
+            </a:ln>
+          </p:spPr>
+          <p:txBody>
+            <a:bodyPr/>
+            <a:lstStyle/>
+            <a:p/>
+          </p:txBody>
+        </p:sp>
+        <p:sp>
+          <p:nvSpPr>
+            <p:cNvPr id="61" name="tx61"/>
+            <p:cNvSpPr/>
+            <p:nvPr/>
+          </p:nvSpPr>
+          <p:spPr>
+            <a:xfrm>
+              <a:off x="7672790" y="1670045"/>
+              <a:ext cx="335280" cy="69850"/>
             </a:xfrm>
             <a:prstGeom prst="rect">
               <a:avLst/>
@@ -4427,231 +5312,47 @@
                 </a:spcAft>
               </a:pPr>
               <a:r>
-                <a:rPr sz="880" b="1">
+                <a:rPr sz="880">
                   <a:solidFill>
-                    <a:srgbClr val="4D4D4D">
+                    <a:srgbClr val="1A1A1A">
                       <a:alpha val="100000"/>
                     </a:srgbClr>
                   </a:solidFill>
                   <a:latin typeface="Arial"/>
                   <a:cs typeface="Arial"/>
                 </a:rPr>
-                <a:t>5</a:t>
+                <a:t>企业人员</a:t>
               </a:r>
             </a:p>
           </p:txBody>
         </p:sp>
         <p:sp>
           <p:nvSpPr>
-            <p:cNvPr id="37" name="tx37"/>
-            <p:cNvSpPr/>
-            <p:nvPr/>
-          </p:nvSpPr>
-          <p:spPr>
-            <a:xfrm>
-              <a:off x="1926599" y="3574445"/>
-              <a:ext cx="62155" cy="80327"/>
-            </a:xfrm>
-            <a:prstGeom prst="rect">
-              <a:avLst/>
-            </a:prstGeom>
-            <a:noFill/>
-          </p:spPr>
-          <p:txBody>
-            <a:bodyPr lIns="0" rIns="0" tIns="0" bIns="0" anchorCtr="1" anchor="ctr" wrap="none"/>
-            <a:lstStyle/>
-            <a:p>
-              <a:pPr algn="l" marL="0" marR="0" indent="0">
-                <a:lnSpc>
-                  <a:spcPts val="880"/>
-                </a:lnSpc>
-                <a:spcBef>
-                  <a:spcPts val="0"/>
-                </a:spcBef>
-                <a:spcAft>
-                  <a:spcPts val="0"/>
-                </a:spcAft>
-              </a:pPr>
-              <a:r>
-                <a:rPr sz="880" b="1">
-                  <a:solidFill>
-                    <a:srgbClr val="4D4D4D">
-                      <a:alpha val="100000"/>
-                    </a:srgbClr>
-                  </a:solidFill>
-                  <a:latin typeface="Arial"/>
-                  <a:cs typeface="Arial"/>
-                </a:rPr>
-                <a:t>4</a:t>
-              </a:r>
-            </a:p>
-          </p:txBody>
-        </p:sp>
-        <p:sp>
-          <p:nvSpPr>
-            <p:cNvPr id="38" name="tx38"/>
-            <p:cNvSpPr/>
-            <p:nvPr/>
-          </p:nvSpPr>
-          <p:spPr>
-            <a:xfrm>
-              <a:off x="1926599" y="3010815"/>
-              <a:ext cx="62155" cy="81691"/>
-            </a:xfrm>
-            <a:prstGeom prst="rect">
-              <a:avLst/>
-            </a:prstGeom>
-            <a:noFill/>
-          </p:spPr>
-          <p:txBody>
-            <a:bodyPr lIns="0" rIns="0" tIns="0" bIns="0" anchorCtr="1" anchor="ctr" wrap="none"/>
-            <a:lstStyle/>
-            <a:p>
-              <a:pPr algn="l" marL="0" marR="0" indent="0">
-                <a:lnSpc>
-                  <a:spcPts val="880"/>
-                </a:lnSpc>
-                <a:spcBef>
-                  <a:spcPts val="0"/>
-                </a:spcBef>
-                <a:spcAft>
-                  <a:spcPts val="0"/>
-                </a:spcAft>
-              </a:pPr>
-              <a:r>
-                <a:rPr sz="880" b="1">
-                  <a:solidFill>
-                    <a:srgbClr val="4D4D4D">
-                      <a:alpha val="100000"/>
-                    </a:srgbClr>
-                  </a:solidFill>
-                  <a:latin typeface="Arial"/>
-                  <a:cs typeface="Arial"/>
-                </a:rPr>
-                <a:t>3</a:t>
-              </a:r>
-            </a:p>
-          </p:txBody>
-        </p:sp>
-        <p:sp>
-          <p:nvSpPr>
-            <p:cNvPr id="39" name="tx39"/>
-            <p:cNvSpPr/>
-            <p:nvPr/>
-          </p:nvSpPr>
-          <p:spPr>
-            <a:xfrm>
-              <a:off x="1926599" y="2449914"/>
-              <a:ext cx="62155" cy="80327"/>
-            </a:xfrm>
-            <a:prstGeom prst="rect">
-              <a:avLst/>
-            </a:prstGeom>
-            <a:noFill/>
-          </p:spPr>
-          <p:txBody>
-            <a:bodyPr lIns="0" rIns="0" tIns="0" bIns="0" anchorCtr="1" anchor="ctr" wrap="none"/>
-            <a:lstStyle/>
-            <a:p>
-              <a:pPr algn="l" marL="0" marR="0" indent="0">
-                <a:lnSpc>
-                  <a:spcPts val="880"/>
-                </a:lnSpc>
-                <a:spcBef>
-                  <a:spcPts val="0"/>
-                </a:spcBef>
-                <a:spcAft>
-                  <a:spcPts val="0"/>
-                </a:spcAft>
-              </a:pPr>
-              <a:r>
-                <a:rPr sz="880" b="1">
-                  <a:solidFill>
-                    <a:srgbClr val="4D4D4D">
-                      <a:alpha val="100000"/>
-                    </a:srgbClr>
-                  </a:solidFill>
-                  <a:latin typeface="Arial"/>
-                  <a:cs typeface="Arial"/>
-                </a:rPr>
-                <a:t>2</a:t>
-              </a:r>
-            </a:p>
-          </p:txBody>
-        </p:sp>
-        <p:sp>
-          <p:nvSpPr>
-            <p:cNvPr id="40" name="tx40"/>
-            <p:cNvSpPr/>
-            <p:nvPr/>
-          </p:nvSpPr>
-          <p:spPr>
-            <a:xfrm>
-              <a:off x="1926599" y="1887649"/>
-              <a:ext cx="62155" cy="80327"/>
-            </a:xfrm>
-            <a:prstGeom prst="rect">
-              <a:avLst/>
-            </a:prstGeom>
-            <a:noFill/>
-          </p:spPr>
-          <p:txBody>
-            <a:bodyPr lIns="0" rIns="0" tIns="0" bIns="0" anchorCtr="1" anchor="ctr" wrap="none"/>
-            <a:lstStyle/>
-            <a:p>
-              <a:pPr algn="l" marL="0" marR="0" indent="0">
-                <a:lnSpc>
-                  <a:spcPts val="880"/>
-                </a:lnSpc>
-                <a:spcBef>
-                  <a:spcPts val="0"/>
-                </a:spcBef>
-                <a:spcAft>
-                  <a:spcPts val="0"/>
-                </a:spcAft>
-              </a:pPr>
-              <a:r>
-                <a:rPr sz="880" b="1">
-                  <a:solidFill>
-                    <a:srgbClr val="4D4D4D">
-                      <a:alpha val="100000"/>
-                    </a:srgbClr>
-                  </a:solidFill>
-                  <a:latin typeface="Arial"/>
-                  <a:cs typeface="Arial"/>
-                </a:rPr>
-                <a:t>1</a:t>
-              </a:r>
-            </a:p>
-          </p:txBody>
-        </p:sp>
-        <p:sp>
-          <p:nvSpPr>
-            <p:cNvPr id="41" name="pl41"/>
-            <p:cNvSpPr/>
-            <p:nvPr/>
-          </p:nvSpPr>
-          <p:spPr>
-            <a:xfrm>
-              <a:off x="1988754" y="5301568"/>
-              <a:ext cx="34794" cy="0"/>
+            <p:cNvPr id="62" name="pl62"/>
+            <p:cNvSpPr/>
+            <p:nvPr/>
+          </p:nvSpPr>
+          <p:spPr>
+            <a:xfrm>
+              <a:off x="2531275" y="5274097"/>
+              <a:ext cx="0" cy="34794"/>
             </a:xfrm>
             <a:custGeom>
               <a:avLst/>
               <a:pathLst>
-                <a:path w="34794" h="0">
+                <a:path w="0" h="34794">
                   <a:moveTo>
+                    <a:pt x="0" y="34794"/>
+                  </a:moveTo>
+                  <a:lnTo>
                     <a:pt x="0" y="0"/>
-                  </a:moveTo>
-                  <a:lnTo>
-                    <a:pt x="34794" y="0"/>
                   </a:lnTo>
                 </a:path>
               </a:pathLst>
             </a:custGeom>
-            <a:ln w="6775" cap="flat">
+            <a:ln w="13550" cap="flat">
               <a:solidFill>
-                <a:srgbClr val="B3B3B3">
+                <a:srgbClr val="333333">
                   <a:alpha val="100000"/>
                 </a:srgbClr>
               </a:solidFill>
@@ -4667,31 +5368,31 @@
         </p:sp>
         <p:sp>
           <p:nvSpPr>
-            <p:cNvPr id="42" name="pl42"/>
-            <p:cNvSpPr/>
-            <p:nvPr/>
-          </p:nvSpPr>
-          <p:spPr>
-            <a:xfrm>
-              <a:off x="1988754" y="4739303"/>
-              <a:ext cx="34794" cy="0"/>
+            <p:cNvPr id="63" name="pl63"/>
+            <p:cNvSpPr/>
+            <p:nvPr/>
+          </p:nvSpPr>
+          <p:spPr>
+            <a:xfrm>
+              <a:off x="3053495" y="5274097"/>
+              <a:ext cx="0" cy="34794"/>
             </a:xfrm>
             <a:custGeom>
               <a:avLst/>
               <a:pathLst>
-                <a:path w="34794" h="0">
+                <a:path w="0" h="34794">
                   <a:moveTo>
+                    <a:pt x="0" y="34794"/>
+                  </a:moveTo>
+                  <a:lnTo>
                     <a:pt x="0" y="0"/>
-                  </a:moveTo>
-                  <a:lnTo>
-                    <a:pt x="34794" y="0"/>
                   </a:lnTo>
                 </a:path>
               </a:pathLst>
             </a:custGeom>
-            <a:ln w="6775" cap="flat">
+            <a:ln w="13550" cap="flat">
               <a:solidFill>
-                <a:srgbClr val="B3B3B3">
+                <a:srgbClr val="333333">
                   <a:alpha val="100000"/>
                 </a:srgbClr>
               </a:solidFill>
@@ -4707,31 +5408,31 @@
         </p:sp>
         <p:sp>
           <p:nvSpPr>
-            <p:cNvPr id="43" name="pl43"/>
-            <p:cNvSpPr/>
-            <p:nvPr/>
-          </p:nvSpPr>
-          <p:spPr>
-            <a:xfrm>
-              <a:off x="1988754" y="4177037"/>
-              <a:ext cx="34794" cy="0"/>
+            <p:cNvPr id="64" name="pl64"/>
+            <p:cNvSpPr/>
+            <p:nvPr/>
+          </p:nvSpPr>
+          <p:spPr>
+            <a:xfrm>
+              <a:off x="3575715" y="5274097"/>
+              <a:ext cx="0" cy="34794"/>
             </a:xfrm>
             <a:custGeom>
               <a:avLst/>
               <a:pathLst>
-                <a:path w="34794" h="0">
+                <a:path w="0" h="34794">
                   <a:moveTo>
+                    <a:pt x="0" y="34794"/>
+                  </a:moveTo>
+                  <a:lnTo>
                     <a:pt x="0" y="0"/>
-                  </a:moveTo>
-                  <a:lnTo>
-                    <a:pt x="34794" y="0"/>
                   </a:lnTo>
                 </a:path>
               </a:pathLst>
             </a:custGeom>
-            <a:ln w="6775" cap="flat">
+            <a:ln w="13550" cap="flat">
               <a:solidFill>
-                <a:srgbClr val="B3B3B3">
+                <a:srgbClr val="333333">
                   <a:alpha val="100000"/>
                 </a:srgbClr>
               </a:solidFill>
@@ -4747,31 +5448,31 @@
         </p:sp>
         <p:sp>
           <p:nvSpPr>
-            <p:cNvPr id="44" name="pl44"/>
-            <p:cNvSpPr/>
-            <p:nvPr/>
-          </p:nvSpPr>
-          <p:spPr>
-            <a:xfrm>
-              <a:off x="1988754" y="3614772"/>
-              <a:ext cx="34794" cy="0"/>
+            <p:cNvPr id="65" name="pl65"/>
+            <p:cNvSpPr/>
+            <p:nvPr/>
+          </p:nvSpPr>
+          <p:spPr>
+            <a:xfrm>
+              <a:off x="4097935" y="5274097"/>
+              <a:ext cx="0" cy="34794"/>
             </a:xfrm>
             <a:custGeom>
               <a:avLst/>
               <a:pathLst>
-                <a:path w="34794" h="0">
+                <a:path w="0" h="34794">
                   <a:moveTo>
+                    <a:pt x="0" y="34794"/>
+                  </a:moveTo>
+                  <a:lnTo>
                     <a:pt x="0" y="0"/>
-                  </a:moveTo>
-                  <a:lnTo>
-                    <a:pt x="34794" y="0"/>
                   </a:lnTo>
                 </a:path>
               </a:pathLst>
             </a:custGeom>
-            <a:ln w="6775" cap="flat">
+            <a:ln w="13550" cap="flat">
               <a:solidFill>
-                <a:srgbClr val="B3B3B3">
+                <a:srgbClr val="333333">
                   <a:alpha val="100000"/>
                 </a:srgbClr>
               </a:solidFill>
@@ -4787,31 +5488,31 @@
         </p:sp>
         <p:sp>
           <p:nvSpPr>
-            <p:cNvPr id="45" name="pl45"/>
-            <p:cNvSpPr/>
-            <p:nvPr/>
-          </p:nvSpPr>
-          <p:spPr>
-            <a:xfrm>
-              <a:off x="1988754" y="3052507"/>
-              <a:ext cx="34794" cy="0"/>
+            <p:cNvPr id="66" name="pl66"/>
+            <p:cNvSpPr/>
+            <p:nvPr/>
+          </p:nvSpPr>
+          <p:spPr>
+            <a:xfrm>
+              <a:off x="4794188" y="5274097"/>
+              <a:ext cx="0" cy="34794"/>
             </a:xfrm>
             <a:custGeom>
               <a:avLst/>
               <a:pathLst>
-                <a:path w="34794" h="0">
+                <a:path w="0" h="34794">
                   <a:moveTo>
+                    <a:pt x="0" y="34794"/>
+                  </a:moveTo>
+                  <a:lnTo>
                     <a:pt x="0" y="0"/>
-                  </a:moveTo>
-                  <a:lnTo>
-                    <a:pt x="34794" y="0"/>
                   </a:lnTo>
                 </a:path>
               </a:pathLst>
             </a:custGeom>
-            <a:ln w="6775" cap="flat">
+            <a:ln w="13550" cap="flat">
               <a:solidFill>
-                <a:srgbClr val="B3B3B3">
+                <a:srgbClr val="333333">
                   <a:alpha val="100000"/>
                 </a:srgbClr>
               </a:solidFill>
@@ -4827,31 +5528,31 @@
         </p:sp>
         <p:sp>
           <p:nvSpPr>
-            <p:cNvPr id="46" name="pl46"/>
-            <p:cNvSpPr/>
-            <p:nvPr/>
-          </p:nvSpPr>
-          <p:spPr>
-            <a:xfrm>
-              <a:off x="1988754" y="2490241"/>
-              <a:ext cx="34794" cy="0"/>
+            <p:cNvPr id="67" name="pl67"/>
+            <p:cNvSpPr/>
+            <p:nvPr/>
+          </p:nvSpPr>
+          <p:spPr>
+            <a:xfrm>
+              <a:off x="5316408" y="5274097"/>
+              <a:ext cx="0" cy="34794"/>
             </a:xfrm>
             <a:custGeom>
               <a:avLst/>
               <a:pathLst>
-                <a:path w="34794" h="0">
+                <a:path w="0" h="34794">
                   <a:moveTo>
+                    <a:pt x="0" y="34794"/>
+                  </a:moveTo>
+                  <a:lnTo>
                     <a:pt x="0" y="0"/>
-                  </a:moveTo>
-                  <a:lnTo>
-                    <a:pt x="34794" y="0"/>
                   </a:lnTo>
                 </a:path>
               </a:pathLst>
             </a:custGeom>
-            <a:ln w="6775" cap="flat">
+            <a:ln w="13550" cap="flat">
               <a:solidFill>
-                <a:srgbClr val="B3B3B3">
+                <a:srgbClr val="333333">
                   <a:alpha val="100000"/>
                 </a:srgbClr>
               </a:solidFill>
@@ -4867,31 +5568,31 @@
         </p:sp>
         <p:sp>
           <p:nvSpPr>
-            <p:cNvPr id="47" name="pl47"/>
-            <p:cNvSpPr/>
-            <p:nvPr/>
-          </p:nvSpPr>
-          <p:spPr>
-            <a:xfrm>
-              <a:off x="1988754" y="1927976"/>
-              <a:ext cx="34794" cy="0"/>
+            <p:cNvPr id="68" name="pl68"/>
+            <p:cNvSpPr/>
+            <p:nvPr/>
+          </p:nvSpPr>
+          <p:spPr>
+            <a:xfrm>
+              <a:off x="5838627" y="5274097"/>
+              <a:ext cx="0" cy="34794"/>
             </a:xfrm>
             <a:custGeom>
               <a:avLst/>
               <a:pathLst>
-                <a:path w="34794" h="0">
+                <a:path w="0" h="34794">
                   <a:moveTo>
+                    <a:pt x="0" y="34794"/>
+                  </a:moveTo>
+                  <a:lnTo>
                     <a:pt x="0" y="0"/>
-                  </a:moveTo>
-                  <a:lnTo>
-                    <a:pt x="34794" y="0"/>
                   </a:lnTo>
                 </a:path>
               </a:pathLst>
             </a:custGeom>
-            <a:ln w="6775" cap="flat">
+            <a:ln w="13550" cap="flat">
               <a:solidFill>
-                <a:srgbClr val="B3B3B3">
+                <a:srgbClr val="333333">
                   <a:alpha val="100000"/>
                 </a:srgbClr>
               </a:solidFill>
@@ -4907,13 +5608,13 @@
         </p:sp>
         <p:sp>
           <p:nvSpPr>
-            <p:cNvPr id="48" name="pl48"/>
-            <p:cNvSpPr/>
-            <p:nvPr/>
-          </p:nvSpPr>
-          <p:spPr>
-            <a:xfrm>
-              <a:off x="2023549" y="5638927"/>
+            <p:cNvPr id="69" name="pl69"/>
+            <p:cNvSpPr/>
+            <p:nvPr/>
+          </p:nvSpPr>
+          <p:spPr>
+            <a:xfrm>
+              <a:off x="6360847" y="5274097"/>
               <a:ext cx="0" cy="34794"/>
             </a:xfrm>
             <a:custGeom>
@@ -4929,9 +5630,9 @@
                 </a:path>
               </a:pathLst>
             </a:custGeom>
-            <a:ln w="6775" cap="flat">
+            <a:ln w="13550" cap="flat">
               <a:solidFill>
-                <a:srgbClr val="B3B3B3">
+                <a:srgbClr val="333333">
                   <a:alpha val="100000"/>
                 </a:srgbClr>
               </a:solidFill>
@@ -4947,13 +5648,13 @@
         </p:sp>
         <p:sp>
           <p:nvSpPr>
-            <p:cNvPr id="49" name="pl49"/>
-            <p:cNvSpPr/>
-            <p:nvPr/>
-          </p:nvSpPr>
-          <p:spPr>
-            <a:xfrm>
-              <a:off x="4554536" y="5638927"/>
+            <p:cNvPr id="70" name="pl70"/>
+            <p:cNvSpPr/>
+            <p:nvPr/>
+          </p:nvSpPr>
+          <p:spPr>
+            <a:xfrm>
+              <a:off x="7057100" y="5274097"/>
               <a:ext cx="0" cy="34794"/>
             </a:xfrm>
             <a:custGeom>
@@ -4969,9 +5670,9 @@
                 </a:path>
               </a:pathLst>
             </a:custGeom>
-            <a:ln w="6775" cap="flat">
+            <a:ln w="13550" cap="flat">
               <a:solidFill>
-                <a:srgbClr val="B3B3B3">
+                <a:srgbClr val="333333">
                   <a:alpha val="100000"/>
                 </a:srgbClr>
               </a:solidFill>
@@ -4987,13 +5688,13 @@
         </p:sp>
         <p:sp>
           <p:nvSpPr>
-            <p:cNvPr id="50" name="pl50"/>
-            <p:cNvSpPr/>
-            <p:nvPr/>
-          </p:nvSpPr>
-          <p:spPr>
-            <a:xfrm>
-              <a:off x="7085523" y="5638927"/>
+            <p:cNvPr id="71" name="pl71"/>
+            <p:cNvSpPr/>
+            <p:nvPr/>
+          </p:nvSpPr>
+          <p:spPr>
+            <a:xfrm>
+              <a:off x="7579320" y="5274097"/>
               <a:ext cx="0" cy="34794"/>
             </a:xfrm>
             <a:custGeom>
@@ -5009,9 +5710,9 @@
                 </a:path>
               </a:pathLst>
             </a:custGeom>
-            <a:ln w="6775" cap="flat">
+            <a:ln w="13550" cap="flat">
               <a:solidFill>
-                <a:srgbClr val="B3B3B3">
+                <a:srgbClr val="333333">
                   <a:alpha val="100000"/>
                 </a:srgbClr>
               </a:solidFill>
@@ -5027,14 +5728,94 @@
         </p:sp>
         <p:sp>
           <p:nvSpPr>
-            <p:cNvPr id="51" name="tx51"/>
-            <p:cNvSpPr/>
-            <p:nvPr/>
-          </p:nvSpPr>
-          <p:spPr>
-            <a:xfrm>
-              <a:off x="1992471" y="5699866"/>
-              <a:ext cx="62155" cy="81691"/>
+            <p:cNvPr id="72" name="pl72"/>
+            <p:cNvSpPr/>
+            <p:nvPr/>
+          </p:nvSpPr>
+          <p:spPr>
+            <a:xfrm>
+              <a:off x="8101540" y="5274097"/>
+              <a:ext cx="0" cy="34794"/>
+            </a:xfrm>
+            <a:custGeom>
+              <a:avLst/>
+              <a:pathLst>
+                <a:path w="0" h="34794">
+                  <a:moveTo>
+                    <a:pt x="0" y="34794"/>
+                  </a:moveTo>
+                  <a:lnTo>
+                    <a:pt x="0" y="0"/>
+                  </a:lnTo>
+                </a:path>
+              </a:pathLst>
+            </a:custGeom>
+            <a:ln w="13550" cap="flat">
+              <a:solidFill>
+                <a:srgbClr val="333333">
+                  <a:alpha val="100000"/>
+                </a:srgbClr>
+              </a:solidFill>
+              <a:prstDash val="solid"/>
+              <a:round/>
+            </a:ln>
+          </p:spPr>
+          <p:txBody>
+            <a:bodyPr/>
+            <a:lstStyle/>
+            <a:p/>
+          </p:txBody>
+        </p:sp>
+        <p:sp>
+          <p:nvSpPr>
+            <p:cNvPr id="73" name="pl73"/>
+            <p:cNvSpPr/>
+            <p:nvPr/>
+          </p:nvSpPr>
+          <p:spPr>
+            <a:xfrm>
+              <a:off x="8623760" y="5274097"/>
+              <a:ext cx="0" cy="34794"/>
+            </a:xfrm>
+            <a:custGeom>
+              <a:avLst/>
+              <a:pathLst>
+                <a:path w="0" h="34794">
+                  <a:moveTo>
+                    <a:pt x="0" y="34794"/>
+                  </a:moveTo>
+                  <a:lnTo>
+                    <a:pt x="0" y="0"/>
+                  </a:lnTo>
+                </a:path>
+              </a:pathLst>
+            </a:custGeom>
+            <a:ln w="13550" cap="flat">
+              <a:solidFill>
+                <a:srgbClr val="333333">
+                  <a:alpha val="100000"/>
+                </a:srgbClr>
+              </a:solidFill>
+              <a:prstDash val="solid"/>
+              <a:round/>
+            </a:ln>
+          </p:spPr>
+          <p:txBody>
+            <a:bodyPr/>
+            <a:lstStyle/>
+            <a:p/>
+          </p:txBody>
+        </p:sp>
+        <p:sp>
+          <p:nvSpPr>
+            <p:cNvPr id="74" name="tx74"/>
+            <p:cNvSpPr/>
+            <p:nvPr/>
+          </p:nvSpPr>
+          <p:spPr>
+            <a:xfrm>
+              <a:off x="1993785" y="5072289"/>
+              <a:ext cx="161528" cy="84311"/>
             </a:xfrm>
             <a:prstGeom prst="rect">
               <a:avLst/>
@@ -5066,21 +5847,21 @@
                   <a:latin typeface="Arial"/>
                   <a:cs typeface="Arial"/>
                 </a:rPr>
-                <a:t>0</a:t>
+                <a:t>0%</a:t>
               </a:r>
             </a:p>
           </p:txBody>
         </p:sp>
         <p:sp>
           <p:nvSpPr>
-            <p:cNvPr id="52" name="tx52"/>
-            <p:cNvSpPr/>
-            <p:nvPr/>
-          </p:nvSpPr>
-          <p:spPr>
-            <a:xfrm>
-              <a:off x="4430225" y="5699866"/>
-              <a:ext cx="248622" cy="81691"/>
+            <p:cNvPr id="75" name="tx75"/>
+            <p:cNvSpPr/>
+            <p:nvPr/>
+          </p:nvSpPr>
+          <p:spPr>
+            <a:xfrm>
+              <a:off x="1931629" y="4018320"/>
+              <a:ext cx="223683" cy="84311"/>
             </a:xfrm>
             <a:prstGeom prst="rect">
               <a:avLst/>
@@ -5112,21 +5893,21 @@
                   <a:latin typeface="Arial"/>
                   <a:cs typeface="Arial"/>
                 </a:rPr>
-                <a:t>1000</a:t>
+                <a:t>20%</a:t>
               </a:r>
             </a:p>
           </p:txBody>
         </p:sp>
         <p:sp>
           <p:nvSpPr>
-            <p:cNvPr id="53" name="tx53"/>
-            <p:cNvSpPr/>
-            <p:nvPr/>
-          </p:nvSpPr>
-          <p:spPr>
-            <a:xfrm>
-              <a:off x="6961212" y="5699866"/>
-              <a:ext cx="248622" cy="81691"/>
+            <p:cNvPr id="76" name="tx76"/>
+            <p:cNvSpPr/>
+            <p:nvPr/>
+          </p:nvSpPr>
+          <p:spPr>
+            <a:xfrm>
+              <a:off x="1931629" y="2964351"/>
+              <a:ext cx="223683" cy="84311"/>
             </a:xfrm>
             <a:prstGeom prst="rect">
               <a:avLst/>
@@ -5158,7 +5939,631 @@
                   <a:latin typeface="Arial"/>
                   <a:cs typeface="Arial"/>
                 </a:rPr>
-                <a:t>2000</a:t>
+                <a:t>40%</a:t>
+              </a:r>
+            </a:p>
+          </p:txBody>
+        </p:sp>
+        <p:sp>
+          <p:nvSpPr>
+            <p:cNvPr id="77" name="tx77"/>
+            <p:cNvSpPr/>
+            <p:nvPr/>
+          </p:nvSpPr>
+          <p:spPr>
+            <a:xfrm>
+              <a:off x="1931629" y="1910381"/>
+              <a:ext cx="223683" cy="84311"/>
+            </a:xfrm>
+            <a:prstGeom prst="rect">
+              <a:avLst/>
+            </a:prstGeom>
+            <a:noFill/>
+          </p:spPr>
+          <p:txBody>
+            <a:bodyPr lIns="0" rIns="0" tIns="0" bIns="0" anchorCtr="1" anchor="ctr" wrap="none"/>
+            <a:lstStyle/>
+            <a:p>
+              <a:pPr algn="l" marL="0" marR="0" indent="0">
+                <a:lnSpc>
+                  <a:spcPts val="880"/>
+                </a:lnSpc>
+                <a:spcBef>
+                  <a:spcPts val="0"/>
+                </a:spcBef>
+                <a:spcAft>
+                  <a:spcPts val="0"/>
+                </a:spcAft>
+              </a:pPr>
+              <a:r>
+                <a:rPr sz="880">
+                  <a:solidFill>
+                    <a:srgbClr val="4D4D4D">
+                      <a:alpha val="100000"/>
+                    </a:srgbClr>
+                  </a:solidFill>
+                  <a:latin typeface="Arial"/>
+                  <a:cs typeface="Arial"/>
+                </a:rPr>
+                <a:t>60%</a:t>
+              </a:r>
+            </a:p>
+          </p:txBody>
+        </p:sp>
+        <p:sp>
+          <p:nvSpPr>
+            <p:cNvPr id="78" name="pl78"/>
+            <p:cNvSpPr/>
+            <p:nvPr/>
+          </p:nvSpPr>
+          <p:spPr>
+            <a:xfrm>
+              <a:off x="2183149" y="5116600"/>
+              <a:ext cx="34794" cy="0"/>
+            </a:xfrm>
+            <a:custGeom>
+              <a:avLst/>
+              <a:pathLst>
+                <a:path w="34794" h="0">
+                  <a:moveTo>
+                    <a:pt x="0" y="0"/>
+                  </a:moveTo>
+                  <a:lnTo>
+                    <a:pt x="34794" y="0"/>
+                  </a:lnTo>
+                </a:path>
+              </a:pathLst>
+            </a:custGeom>
+            <a:ln w="13550" cap="flat">
+              <a:solidFill>
+                <a:srgbClr val="333333">
+                  <a:alpha val="100000"/>
+                </a:srgbClr>
+              </a:solidFill>
+              <a:prstDash val="solid"/>
+              <a:round/>
+            </a:ln>
+          </p:spPr>
+          <p:txBody>
+            <a:bodyPr/>
+            <a:lstStyle/>
+            <a:p/>
+          </p:txBody>
+        </p:sp>
+        <p:sp>
+          <p:nvSpPr>
+            <p:cNvPr id="79" name="pl79"/>
+            <p:cNvSpPr/>
+            <p:nvPr/>
+          </p:nvSpPr>
+          <p:spPr>
+            <a:xfrm>
+              <a:off x="2183149" y="4062631"/>
+              <a:ext cx="34794" cy="0"/>
+            </a:xfrm>
+            <a:custGeom>
+              <a:avLst/>
+              <a:pathLst>
+                <a:path w="34794" h="0">
+                  <a:moveTo>
+                    <a:pt x="0" y="0"/>
+                  </a:moveTo>
+                  <a:lnTo>
+                    <a:pt x="34794" y="0"/>
+                  </a:lnTo>
+                </a:path>
+              </a:pathLst>
+            </a:custGeom>
+            <a:ln w="13550" cap="flat">
+              <a:solidFill>
+                <a:srgbClr val="333333">
+                  <a:alpha val="100000"/>
+                </a:srgbClr>
+              </a:solidFill>
+              <a:prstDash val="solid"/>
+              <a:round/>
+            </a:ln>
+          </p:spPr>
+          <p:txBody>
+            <a:bodyPr/>
+            <a:lstStyle/>
+            <a:p/>
+          </p:txBody>
+        </p:sp>
+        <p:sp>
+          <p:nvSpPr>
+            <p:cNvPr id="80" name="pl80"/>
+            <p:cNvSpPr/>
+            <p:nvPr/>
+          </p:nvSpPr>
+          <p:spPr>
+            <a:xfrm>
+              <a:off x="2183149" y="3008662"/>
+              <a:ext cx="34794" cy="0"/>
+            </a:xfrm>
+            <a:custGeom>
+              <a:avLst/>
+              <a:pathLst>
+                <a:path w="34794" h="0">
+                  <a:moveTo>
+                    <a:pt x="0" y="0"/>
+                  </a:moveTo>
+                  <a:lnTo>
+                    <a:pt x="34794" y="0"/>
+                  </a:lnTo>
+                </a:path>
+              </a:pathLst>
+            </a:custGeom>
+            <a:ln w="13550" cap="flat">
+              <a:solidFill>
+                <a:srgbClr val="333333">
+                  <a:alpha val="100000"/>
+                </a:srgbClr>
+              </a:solidFill>
+              <a:prstDash val="solid"/>
+              <a:round/>
+            </a:ln>
+          </p:spPr>
+          <p:txBody>
+            <a:bodyPr/>
+            <a:lstStyle/>
+            <a:p/>
+          </p:txBody>
+        </p:sp>
+        <p:sp>
+          <p:nvSpPr>
+            <p:cNvPr id="81" name="pl81"/>
+            <p:cNvSpPr/>
+            <p:nvPr/>
+          </p:nvSpPr>
+          <p:spPr>
+            <a:xfrm>
+              <a:off x="2183149" y="1954692"/>
+              <a:ext cx="34794" cy="0"/>
+            </a:xfrm>
+            <a:custGeom>
+              <a:avLst/>
+              <a:pathLst>
+                <a:path w="34794" h="0">
+                  <a:moveTo>
+                    <a:pt x="0" y="0"/>
+                  </a:moveTo>
+                  <a:lnTo>
+                    <a:pt x="34794" y="0"/>
+                  </a:lnTo>
+                </a:path>
+              </a:pathLst>
+            </a:custGeom>
+            <a:ln w="13550" cap="flat">
+              <a:solidFill>
+                <a:srgbClr val="333333">
+                  <a:alpha val="100000"/>
+                </a:srgbClr>
+              </a:solidFill>
+              <a:prstDash val="solid"/>
+              <a:round/>
+            </a:ln>
+          </p:spPr>
+          <p:txBody>
+            <a:bodyPr/>
+            <a:lstStyle/>
+            <a:p/>
+          </p:txBody>
+        </p:sp>
+        <p:sp>
+          <p:nvSpPr>
+            <p:cNvPr id="82" name="rc82"/>
+            <p:cNvSpPr/>
+            <p:nvPr/>
+          </p:nvSpPr>
+          <p:spPr>
+            <a:xfrm>
+              <a:off x="4123377" y="5613598"/>
+              <a:ext cx="2908281" cy="358634"/>
+            </a:xfrm>
+            <a:prstGeom prst="rect">
+              <a:avLst/>
+            </a:prstGeom>
+            <a:solidFill>
+              <a:srgbClr val="FFFFFF">
+                <a:alpha val="100000"/>
+              </a:srgbClr>
+            </a:solidFill>
+          </p:spPr>
+          <p:txBody>
+            <a:bodyPr/>
+            <a:lstStyle/>
+            <a:p/>
+          </p:txBody>
+        </p:sp>
+        <p:sp>
+          <p:nvSpPr>
+            <p:cNvPr id="83" name="rc83"/>
+            <p:cNvSpPr/>
+            <p:nvPr/>
+          </p:nvSpPr>
+          <p:spPr>
+            <a:xfrm>
+              <a:off x="4262555" y="5683187"/>
+              <a:ext cx="219455" cy="219455"/>
+            </a:xfrm>
+            <a:prstGeom prst="rect">
+              <a:avLst/>
+            </a:prstGeom>
+            <a:solidFill>
+              <a:srgbClr val="FFFFFF">
+                <a:alpha val="100000"/>
+              </a:srgbClr>
+            </a:solidFill>
+          </p:spPr>
+          <p:txBody>
+            <a:bodyPr/>
+            <a:lstStyle/>
+            <a:p/>
+          </p:txBody>
+        </p:sp>
+        <p:sp>
+          <p:nvSpPr>
+            <p:cNvPr id="84" name="rc84"/>
+            <p:cNvSpPr/>
+            <p:nvPr/>
+          </p:nvSpPr>
+          <p:spPr>
+            <a:xfrm>
+              <a:off x="4271555" y="5692187"/>
+              <a:ext cx="201455" cy="201456"/>
+            </a:xfrm>
+            <a:prstGeom prst="rect">
+              <a:avLst/>
+            </a:prstGeom>
+            <a:solidFill>
+              <a:srgbClr val="FEE5D9">
+                <a:alpha val="100000"/>
+              </a:srgbClr>
+            </a:solidFill>
+          </p:spPr>
+          <p:txBody>
+            <a:bodyPr/>
+            <a:lstStyle/>
+            <a:p/>
+          </p:txBody>
+        </p:sp>
+        <p:sp>
+          <p:nvSpPr>
+            <p:cNvPr id="85" name="rc85"/>
+            <p:cNvSpPr/>
+            <p:nvPr/>
+          </p:nvSpPr>
+          <p:spPr>
+            <a:xfrm>
+              <a:off x="4907168" y="5683187"/>
+              <a:ext cx="219455" cy="219455"/>
+            </a:xfrm>
+            <a:prstGeom prst="rect">
+              <a:avLst/>
+            </a:prstGeom>
+            <a:solidFill>
+              <a:srgbClr val="FFFFFF">
+                <a:alpha val="100000"/>
+              </a:srgbClr>
+            </a:solidFill>
+          </p:spPr>
+          <p:txBody>
+            <a:bodyPr/>
+            <a:lstStyle/>
+            <a:p/>
+          </p:txBody>
+        </p:sp>
+        <p:sp>
+          <p:nvSpPr>
+            <p:cNvPr id="86" name="rc86"/>
+            <p:cNvSpPr/>
+            <p:nvPr/>
+          </p:nvSpPr>
+          <p:spPr>
+            <a:xfrm>
+              <a:off x="4916168" y="5692187"/>
+              <a:ext cx="201456" cy="201456"/>
+            </a:xfrm>
+            <a:prstGeom prst="rect">
+              <a:avLst/>
+            </a:prstGeom>
+            <a:solidFill>
+              <a:srgbClr val="FCAE91">
+                <a:alpha val="100000"/>
+              </a:srgbClr>
+            </a:solidFill>
+          </p:spPr>
+          <p:txBody>
+            <a:bodyPr/>
+            <a:lstStyle/>
+            <a:p/>
+          </p:txBody>
+        </p:sp>
+        <p:sp>
+          <p:nvSpPr>
+            <p:cNvPr id="87" name="rc87"/>
+            <p:cNvSpPr/>
+            <p:nvPr/>
+          </p:nvSpPr>
+          <p:spPr>
+            <a:xfrm>
+              <a:off x="5742433" y="5683187"/>
+              <a:ext cx="219455" cy="219455"/>
+            </a:xfrm>
+            <a:prstGeom prst="rect">
+              <a:avLst/>
+            </a:prstGeom>
+            <a:solidFill>
+              <a:srgbClr val="FFFFFF">
+                <a:alpha val="100000"/>
+              </a:srgbClr>
+            </a:solidFill>
+          </p:spPr>
+          <p:txBody>
+            <a:bodyPr/>
+            <a:lstStyle/>
+            <a:p/>
+          </p:txBody>
+        </p:sp>
+        <p:sp>
+          <p:nvSpPr>
+            <p:cNvPr id="88" name="rc88"/>
+            <p:cNvSpPr/>
+            <p:nvPr/>
+          </p:nvSpPr>
+          <p:spPr>
+            <a:xfrm>
+              <a:off x="5751433" y="5692187"/>
+              <a:ext cx="201456" cy="201456"/>
+            </a:xfrm>
+            <a:prstGeom prst="rect">
+              <a:avLst/>
+            </a:prstGeom>
+            <a:solidFill>
+              <a:srgbClr val="FB6A4A">
+                <a:alpha val="100000"/>
+              </a:srgbClr>
+            </a:solidFill>
+          </p:spPr>
+          <p:txBody>
+            <a:bodyPr/>
+            <a:lstStyle/>
+            <a:p/>
+          </p:txBody>
+        </p:sp>
+        <p:sp>
+          <p:nvSpPr>
+            <p:cNvPr id="89" name="rc89"/>
+            <p:cNvSpPr/>
+            <p:nvPr/>
+          </p:nvSpPr>
+          <p:spPr>
+            <a:xfrm>
+              <a:off x="6291719" y="5683187"/>
+              <a:ext cx="219455" cy="219455"/>
+            </a:xfrm>
+            <a:prstGeom prst="rect">
+              <a:avLst/>
+            </a:prstGeom>
+            <a:solidFill>
+              <a:srgbClr val="FFFFFF">
+                <a:alpha val="100000"/>
+              </a:srgbClr>
+            </a:solidFill>
+          </p:spPr>
+          <p:txBody>
+            <a:bodyPr/>
+            <a:lstStyle/>
+            <a:p/>
+          </p:txBody>
+        </p:sp>
+        <p:sp>
+          <p:nvSpPr>
+            <p:cNvPr id="90" name="rc90"/>
+            <p:cNvSpPr/>
+            <p:nvPr/>
+          </p:nvSpPr>
+          <p:spPr>
+            <a:xfrm>
+              <a:off x="6300719" y="5692187"/>
+              <a:ext cx="201456" cy="201456"/>
+            </a:xfrm>
+            <a:prstGeom prst="rect">
+              <a:avLst/>
+            </a:prstGeom>
+            <a:solidFill>
+              <a:srgbClr val="CB181D">
+                <a:alpha val="100000"/>
+              </a:srgbClr>
+            </a:solidFill>
+          </p:spPr>
+          <p:txBody>
+            <a:bodyPr/>
+            <a:lstStyle/>
+            <a:p/>
+          </p:txBody>
+        </p:sp>
+        <p:sp>
+          <p:nvSpPr>
+            <p:cNvPr id="91" name="tx91"/>
+            <p:cNvSpPr/>
+            <p:nvPr/>
+          </p:nvSpPr>
+          <p:spPr>
+            <a:xfrm>
+              <a:off x="4551600" y="5763065"/>
+              <a:ext cx="251460" cy="69850"/>
+            </a:xfrm>
+            <a:prstGeom prst="rect">
+              <a:avLst/>
+            </a:prstGeom>
+            <a:noFill/>
+          </p:spPr>
+          <p:txBody>
+            <a:bodyPr lIns="0" rIns="0" tIns="0" bIns="0" anchorCtr="1" anchor="ctr" wrap="none"/>
+            <a:lstStyle/>
+            <a:p>
+              <a:pPr algn="l" marL="0" marR="0" indent="0">
+                <a:lnSpc>
+                  <a:spcPts val="880"/>
+                </a:lnSpc>
+                <a:spcBef>
+                  <a:spcPts val="0"/>
+                </a:spcBef>
+                <a:spcAft>
+                  <a:spcPts val="0"/>
+                </a:spcAft>
+              </a:pPr>
+              <a:r>
+                <a:rPr sz="880">
+                  <a:solidFill>
+                    <a:srgbClr val="000000">
+                      <a:alpha val="100000"/>
+                    </a:srgbClr>
+                  </a:solidFill>
+                  <a:latin typeface="Arial"/>
+                  <a:cs typeface="Arial"/>
+                </a:rPr>
+                <a:t>不必要</a:t>
+              </a:r>
+            </a:p>
+          </p:txBody>
+        </p:sp>
+        <p:sp>
+          <p:nvSpPr>
+            <p:cNvPr id="92" name="tx92"/>
+            <p:cNvSpPr/>
+            <p:nvPr/>
+          </p:nvSpPr>
+          <p:spPr>
+            <a:xfrm>
+              <a:off x="5196213" y="5763065"/>
+              <a:ext cx="419100" cy="69850"/>
+            </a:xfrm>
+            <a:prstGeom prst="rect">
+              <a:avLst/>
+            </a:prstGeom>
+            <a:noFill/>
+          </p:spPr>
+          <p:txBody>
+            <a:bodyPr lIns="0" rIns="0" tIns="0" bIns="0" anchorCtr="1" anchor="ctr" wrap="none"/>
+            <a:lstStyle/>
+            <a:p>
+              <a:pPr algn="l" marL="0" marR="0" indent="0">
+                <a:lnSpc>
+                  <a:spcPts val="880"/>
+                </a:lnSpc>
+                <a:spcBef>
+                  <a:spcPts val="0"/>
+                </a:spcBef>
+                <a:spcAft>
+                  <a:spcPts val="0"/>
+                </a:spcAft>
+              </a:pPr>
+              <a:r>
+                <a:rPr sz="880">
+                  <a:solidFill>
+                    <a:srgbClr val="000000">
+                      <a:alpha val="100000"/>
+                    </a:srgbClr>
+                  </a:solidFill>
+                  <a:latin typeface="Arial"/>
+                  <a:cs typeface="Arial"/>
+                </a:rPr>
+                <a:t>可适度摄入</a:t>
+              </a:r>
+            </a:p>
+          </p:txBody>
+        </p:sp>
+        <p:sp>
+          <p:nvSpPr>
+            <p:cNvPr id="93" name="tx93"/>
+            <p:cNvSpPr/>
+            <p:nvPr/>
+          </p:nvSpPr>
+          <p:spPr>
+            <a:xfrm>
+              <a:off x="6031478" y="5763065"/>
+              <a:ext cx="167640" cy="69850"/>
+            </a:xfrm>
+            <a:prstGeom prst="rect">
+              <a:avLst/>
+            </a:prstGeom>
+            <a:noFill/>
+          </p:spPr>
+          <p:txBody>
+            <a:bodyPr lIns="0" rIns="0" tIns="0" bIns="0" anchorCtr="1" anchor="ctr" wrap="none"/>
+            <a:lstStyle/>
+            <a:p>
+              <a:pPr algn="l" marL="0" marR="0" indent="0">
+                <a:lnSpc>
+                  <a:spcPts val="880"/>
+                </a:lnSpc>
+                <a:spcBef>
+                  <a:spcPts val="0"/>
+                </a:spcBef>
+                <a:spcAft>
+                  <a:spcPts val="0"/>
+                </a:spcAft>
+              </a:pPr>
+              <a:r>
+                <a:rPr sz="880">
+                  <a:solidFill>
+                    <a:srgbClr val="000000">
+                      <a:alpha val="100000"/>
+                    </a:srgbClr>
+                  </a:solidFill>
+                  <a:latin typeface="Arial"/>
+                  <a:cs typeface="Arial"/>
+                </a:rPr>
+                <a:t>必要</a:t>
+              </a:r>
+            </a:p>
+          </p:txBody>
+        </p:sp>
+        <p:sp>
+          <p:nvSpPr>
+            <p:cNvPr id="94" name="tx94"/>
+            <p:cNvSpPr/>
+            <p:nvPr/>
+          </p:nvSpPr>
+          <p:spPr>
+            <a:xfrm>
+              <a:off x="6580764" y="5763065"/>
+              <a:ext cx="335280" cy="69850"/>
+            </a:xfrm>
+            <a:prstGeom prst="rect">
+              <a:avLst/>
+            </a:prstGeom>
+            <a:noFill/>
+          </p:spPr>
+          <p:txBody>
+            <a:bodyPr lIns="0" rIns="0" tIns="0" bIns="0" anchorCtr="1" anchor="ctr" wrap="none"/>
+            <a:lstStyle/>
+            <a:p>
+              <a:pPr algn="l" marL="0" marR="0" indent="0">
+                <a:lnSpc>
+                  <a:spcPts val="880"/>
+                </a:lnSpc>
+                <a:spcBef>
+                  <a:spcPts val="0"/>
+                </a:spcBef>
+                <a:spcAft>
+                  <a:spcPts val="0"/>
+                </a:spcAft>
+              </a:pPr>
+              <a:r>
+                <a:rPr sz="880">
+                  <a:solidFill>
+                    <a:srgbClr val="000000">
+                      <a:alpha val="100000"/>
+                    </a:srgbClr>
+                  </a:solidFill>
+                  <a:latin typeface="Arial"/>
+                  <a:cs typeface="Arial"/>
+                </a:rPr>
+                <a:t>非常必要</a:t>
               </a:r>
             </a:p>
           </p:txBody>
